--- a/Presentation/Anemic First Aid.pptx
+++ b/Presentation/Anemic First Aid.pptx
@@ -2,10 +2,16 @@
 <file path=ppt/presentation.xml><?xml version="1.0" encoding="utf-8"?>
 <p:presentation xmlns:a="http://schemas.openxmlformats.org/drawingml/2006/main" xmlns:r="http://schemas.openxmlformats.org/officeDocument/2006/relationships" xmlns:p="http://schemas.openxmlformats.org/presentationml/2006/main" saveSubsetFonts="1">
   <p:sldMasterIdLst>
-    <p:sldMasterId id="2147483648" r:id="rId1"/>
+    <p:sldMasterId id="2147483672" r:id="rId1"/>
   </p:sldMasterIdLst>
   <p:sldIdLst>
     <p:sldId id="256" r:id="rId2"/>
+    <p:sldId id="257" r:id="rId3"/>
+    <p:sldId id="258" r:id="rId4"/>
+    <p:sldId id="259" r:id="rId5"/>
+    <p:sldId id="260" r:id="rId6"/>
+    <p:sldId id="261" r:id="rId7"/>
+    <p:sldId id="262" r:id="rId8"/>
   </p:sldIdLst>
   <p:sldSz cx="9144000" cy="6858000" type="screen4x3"/>
   <p:notesSz cx="6858000" cy="9144000"/>
@@ -136,19 +142,25 @@
         </p:nvSpPr>
         <p:spPr>
           <a:xfrm>
-            <a:off x="685800" y="2130425"/>
-            <a:ext cx="7772400" cy="1470025"/>
+            <a:off x="914400" y="2516624"/>
+            <a:ext cx="7315200" cy="2595025"/>
           </a:xfrm>
         </p:spPr>
         <p:txBody>
-          <a:bodyPr/>
-          <a:lstStyle/>
+          <a:bodyPr>
+            <a:normAutofit/>
+          </a:bodyPr>
+          <a:lstStyle>
+            <a:lvl1pPr>
+              <a:defRPr sz="4800"/>
+            </a:lvl1pPr>
+          </a:lstStyle>
           <a:p>
             <a:r>
               <a:rPr lang="en-US" smtClean="0"/>
               <a:t>Click to edit Master title style</a:t>
             </a:r>
-            <a:endParaRPr lang="sv-SE"/>
+            <a:endParaRPr lang="en-US"/>
           </a:p>
         </p:txBody>
       </p:sp>
@@ -164,20 +176,20 @@
         </p:nvSpPr>
         <p:spPr>
           <a:xfrm>
-            <a:off x="1371600" y="3886200"/>
-            <a:ext cx="6400800" cy="1752600"/>
+            <a:off x="914400" y="5166530"/>
+            <a:ext cx="7315200" cy="1144632"/>
           </a:xfrm>
         </p:spPr>
         <p:txBody>
-          <a:bodyPr/>
+          <a:bodyPr>
+            <a:normAutofit/>
+          </a:bodyPr>
           <a:lstStyle>
-            <a:lvl1pPr marL="0" indent="0" algn="ctr">
-              <a:buNone/>
-              <a:defRPr>
+            <a:lvl1pPr marL="0" indent="0" algn="l">
+              <a:buNone/>
+              <a:defRPr sz="2200">
                 <a:solidFill>
-                  <a:schemeClr val="tx1">
-                    <a:tint val="75000"/>
-                  </a:schemeClr>
+                  <a:schemeClr val="tx1"/>
                 </a:solidFill>
               </a:defRPr>
             </a:lvl1pPr>
@@ -267,13 +279,13 @@
               <a:rPr lang="en-US" smtClean="0"/>
               <a:t>Click to edit Master subtitle style</a:t>
             </a:r>
-            <a:endParaRPr lang="sv-SE"/>
-          </a:p>
-        </p:txBody>
-      </p:sp>
-      <p:sp>
-        <p:nvSpPr>
-          <p:cNvPr id="4" name="Date Placeholder 3"/>
+            <a:endParaRPr lang="en-US" dirty="0"/>
+          </a:p>
+        </p:txBody>
+      </p:sp>
+      <p:sp>
+        <p:nvSpPr>
+          <p:cNvPr id="7" name="Date Placeholder 6"/>
           <p:cNvSpPr>
             <a:spLocks noGrp="1"/>
           </p:cNvSpPr>
@@ -288,7 +300,7 @@
           <a:p>
             <a:fld id="{69E3F9EA-CD49-4829-BA5D-E641F090FA20}" type="datetimeFigureOut">
               <a:rPr lang="sv-SE" smtClean="0"/>
-              <a:t>2011-09-09</a:t>
+              <a:t>2011-09-15</a:t>
             </a:fld>
             <a:endParaRPr lang="sv-SE"/>
           </a:p>
@@ -296,31 +308,12 @@
       </p:sp>
       <p:sp>
         <p:nvSpPr>
-          <p:cNvPr id="5" name="Footer Placeholder 4"/>
-          <p:cNvSpPr>
-            <a:spLocks noGrp="1"/>
-          </p:cNvSpPr>
-          <p:nvPr>
-            <p:ph type="ftr" sz="quarter" idx="11"/>
-          </p:nvPr>
-        </p:nvSpPr>
-        <p:spPr/>
-        <p:txBody>
-          <a:bodyPr/>
-          <a:lstStyle/>
-          <a:p>
-            <a:endParaRPr lang="sv-SE"/>
-          </a:p>
-        </p:txBody>
-      </p:sp>
-      <p:sp>
-        <p:nvSpPr>
-          <p:cNvPr id="6" name="Slide Number Placeholder 5"/>
-          <p:cNvSpPr>
-            <a:spLocks noGrp="1"/>
-          </p:cNvSpPr>
-          <p:nvPr>
-            <p:ph type="sldNum" sz="quarter" idx="12"/>
+          <p:cNvPr id="8" name="Slide Number Placeholder 7"/>
+          <p:cNvSpPr>
+            <a:spLocks noGrp="1"/>
+          </p:cNvSpPr>
+          <p:nvPr>
+            <p:ph type="sldNum" sz="quarter" idx="11"/>
           </p:nvPr>
         </p:nvSpPr>
         <p:spPr/>
@@ -336,12 +329,26 @@
           </a:p>
         </p:txBody>
       </p:sp>
+      <p:sp>
+        <p:nvSpPr>
+          <p:cNvPr id="9" name="Footer Placeholder 8"/>
+          <p:cNvSpPr>
+            <a:spLocks noGrp="1"/>
+          </p:cNvSpPr>
+          <p:nvPr>
+            <p:ph type="ftr" sz="quarter" idx="12"/>
+          </p:nvPr>
+        </p:nvSpPr>
+        <p:spPr/>
+        <p:txBody>
+          <a:bodyPr/>
+          <a:lstStyle/>
+          <a:p>
+            <a:endParaRPr lang="sv-SE"/>
+          </a:p>
+        </p:txBody>
+      </p:sp>
     </p:spTree>
-    <p:extLst>
-      <p:ext uri="{BB962C8B-B14F-4D97-AF65-F5344CB8AC3E}">
-        <p14:creationId xmlns:p14="http://schemas.microsoft.com/office/powerpoint/2010/main" val="2780487160"/>
-      </p:ext>
-    </p:extLst>
   </p:cSld>
   <p:clrMapOvr>
     <a:masterClrMapping/>
@@ -385,7 +392,7 @@
               <a:rPr lang="en-US" smtClean="0"/>
               <a:t>Click to edit Master title style</a:t>
             </a:r>
-            <a:endParaRPr lang="sv-SE"/>
+            <a:endParaRPr lang="en-US"/>
           </a:p>
         </p:txBody>
       </p:sp>
@@ -437,7 +444,7 @@
               <a:rPr lang="en-US" smtClean="0"/>
               <a:t>Fifth level</a:t>
             </a:r>
-            <a:endParaRPr lang="sv-SE"/>
+            <a:endParaRPr lang="en-US"/>
           </a:p>
         </p:txBody>
       </p:sp>
@@ -458,7 +465,7 @@
           <a:p>
             <a:fld id="{69E3F9EA-CD49-4829-BA5D-E641F090FA20}" type="datetimeFigureOut">
               <a:rPr lang="sv-SE" smtClean="0"/>
-              <a:t>2011-09-09</a:t>
+              <a:t>2011-09-15</a:t>
             </a:fld>
             <a:endParaRPr lang="sv-SE"/>
           </a:p>
@@ -507,11 +514,6 @@
         </p:txBody>
       </p:sp>
     </p:spTree>
-    <p:extLst>
-      <p:ext uri="{BB962C8B-B14F-4D97-AF65-F5344CB8AC3E}">
-        <p14:creationId xmlns:p14="http://schemas.microsoft.com/office/powerpoint/2010/main" val="407732578"/>
-      </p:ext>
-    </p:extLst>
   </p:cSld>
   <p:clrMapOvr>
     <a:masterClrMapping/>
@@ -548,8 +550,8 @@
         </p:nvSpPr>
         <p:spPr>
           <a:xfrm>
-            <a:off x="6629400" y="274638"/>
-            <a:ext cx="2057400" cy="5851525"/>
+            <a:off x="6248400" y="1826709"/>
+            <a:ext cx="1492499" cy="4484454"/>
           </a:xfrm>
         </p:spPr>
         <p:txBody>
@@ -560,7 +562,7 @@
               <a:rPr lang="en-US" smtClean="0"/>
               <a:t>Click to edit Master title style</a:t>
             </a:r>
-            <a:endParaRPr lang="sv-SE"/>
+            <a:endParaRPr lang="en-US"/>
           </a:p>
         </p:txBody>
       </p:sp>
@@ -576,8 +578,8 @@
         </p:nvSpPr>
         <p:spPr>
           <a:xfrm>
-            <a:off x="457200" y="274638"/>
-            <a:ext cx="6019800" cy="5851525"/>
+            <a:off x="854524" y="1826709"/>
+            <a:ext cx="5241476" cy="4484454"/>
           </a:xfrm>
         </p:spPr>
         <p:txBody>
@@ -617,7 +619,7 @@
               <a:rPr lang="en-US" smtClean="0"/>
               <a:t>Fifth level</a:t>
             </a:r>
-            <a:endParaRPr lang="sv-SE"/>
+            <a:endParaRPr lang="en-US"/>
           </a:p>
         </p:txBody>
       </p:sp>
@@ -638,7 +640,7 @@
           <a:p>
             <a:fld id="{69E3F9EA-CD49-4829-BA5D-E641F090FA20}" type="datetimeFigureOut">
               <a:rPr lang="sv-SE" smtClean="0"/>
-              <a:t>2011-09-09</a:t>
+              <a:t>2011-09-15</a:t>
             </a:fld>
             <a:endParaRPr lang="sv-SE"/>
           </a:p>
@@ -687,11 +689,6 @@
         </p:txBody>
       </p:sp>
     </p:spTree>
-    <p:extLst>
-      <p:ext uri="{BB962C8B-B14F-4D97-AF65-F5344CB8AC3E}">
-        <p14:creationId xmlns:p14="http://schemas.microsoft.com/office/powerpoint/2010/main" val="3239155184"/>
-      </p:ext>
-    </p:extLst>
   </p:cSld>
   <p:clrMapOvr>
     <a:masterClrMapping/>
@@ -735,7 +732,7 @@
               <a:rPr lang="en-US" smtClean="0"/>
               <a:t>Click to edit Master title style</a:t>
             </a:r>
-            <a:endParaRPr lang="sv-SE"/>
+            <a:endParaRPr lang="en-US"/>
           </a:p>
         </p:txBody>
       </p:sp>
@@ -787,7 +784,7 @@
               <a:rPr lang="en-US" smtClean="0"/>
               <a:t>Fifth level</a:t>
             </a:r>
-            <a:endParaRPr lang="sv-SE"/>
+            <a:endParaRPr lang="en-US" dirty="0"/>
           </a:p>
         </p:txBody>
       </p:sp>
@@ -808,7 +805,7 @@
           <a:p>
             <a:fld id="{69E3F9EA-CD49-4829-BA5D-E641F090FA20}" type="datetimeFigureOut">
               <a:rPr lang="sv-SE" smtClean="0"/>
-              <a:t>2011-09-09</a:t>
+              <a:t>2011-09-15</a:t>
             </a:fld>
             <a:endParaRPr lang="sv-SE"/>
           </a:p>
@@ -857,11 +854,6 @@
         </p:txBody>
       </p:sp>
     </p:spTree>
-    <p:extLst>
-      <p:ext uri="{BB962C8B-B14F-4D97-AF65-F5344CB8AC3E}">
-        <p14:creationId xmlns:p14="http://schemas.microsoft.com/office/powerpoint/2010/main" val="3000624264"/>
-      </p:ext>
-    </p:extLst>
   </p:cSld>
   <p:clrMapOvr>
     <a:masterClrMapping/>
@@ -898,15 +890,15 @@
         </p:nvSpPr>
         <p:spPr>
           <a:xfrm>
-            <a:off x="722313" y="4406900"/>
-            <a:ext cx="7772400" cy="1362075"/>
+            <a:off x="914400" y="5017572"/>
+            <a:ext cx="7315200" cy="1293592"/>
           </a:xfrm>
         </p:spPr>
         <p:txBody>
           <a:bodyPr anchor="t"/>
           <a:lstStyle>
             <a:lvl1pPr algn="l">
-              <a:defRPr sz="4000" b="1" cap="all"/>
+              <a:defRPr sz="4000" b="0" cap="none"/>
             </a:lvl1pPr>
           </a:lstStyle>
           <a:p>
@@ -914,7 +906,7 @@
               <a:rPr lang="en-US" smtClean="0"/>
               <a:t>Click to edit Master title style</a:t>
             </a:r>
-            <a:endParaRPr lang="sv-SE"/>
+            <a:endParaRPr lang="en-US"/>
           </a:p>
         </p:txBody>
       </p:sp>
@@ -930,8 +922,8 @@
         </p:nvSpPr>
         <p:spPr>
           <a:xfrm>
-            <a:off x="722313" y="2906713"/>
-            <a:ext cx="7772400" cy="1500187"/>
+            <a:off x="914400" y="3865097"/>
+            <a:ext cx="7315200" cy="1098439"/>
           </a:xfrm>
         </p:spPr>
         <p:txBody>
@@ -941,9 +933,7 @@
               <a:buNone/>
               <a:defRPr sz="2000">
                 <a:solidFill>
-                  <a:schemeClr val="tx1">
-                    <a:tint val="75000"/>
-                  </a:schemeClr>
+                  <a:schemeClr val="tx1"/>
                 </a:solidFill>
               </a:defRPr>
             </a:lvl1pPr>
@@ -1054,7 +1044,7 @@
           <a:p>
             <a:fld id="{69E3F9EA-CD49-4829-BA5D-E641F090FA20}" type="datetimeFigureOut">
               <a:rPr lang="sv-SE" smtClean="0"/>
-              <a:t>2011-09-09</a:t>
+              <a:t>2011-09-15</a:t>
             </a:fld>
             <a:endParaRPr lang="sv-SE"/>
           </a:p>
@@ -1103,11 +1093,6 @@
         </p:txBody>
       </p:sp>
     </p:spTree>
-    <p:extLst>
-      <p:ext uri="{BB962C8B-B14F-4D97-AF65-F5344CB8AC3E}">
-        <p14:creationId xmlns:p14="http://schemas.microsoft.com/office/powerpoint/2010/main" val="1961016883"/>
-      </p:ext>
-    </p:extLst>
   </p:cSld>
   <p:clrMapOvr>
     <a:masterClrMapping/>
@@ -1134,199 +1119,6 @@
       </p:grpSpPr>
       <p:sp>
         <p:nvSpPr>
-          <p:cNvPr id="2" name="Title 1"/>
-          <p:cNvSpPr>
-            <a:spLocks noGrp="1"/>
-          </p:cNvSpPr>
-          <p:nvPr>
-            <p:ph type="title"/>
-          </p:nvPr>
-        </p:nvSpPr>
-        <p:spPr/>
-        <p:txBody>
-          <a:bodyPr/>
-          <a:lstStyle/>
-          <a:p>
-            <a:r>
-              <a:rPr lang="en-US" smtClean="0"/>
-              <a:t>Click to edit Master title style</a:t>
-            </a:r>
-            <a:endParaRPr lang="sv-SE"/>
-          </a:p>
-        </p:txBody>
-      </p:sp>
-      <p:sp>
-        <p:nvSpPr>
-          <p:cNvPr id="3" name="Content Placeholder 2"/>
-          <p:cNvSpPr>
-            <a:spLocks noGrp="1"/>
-          </p:cNvSpPr>
-          <p:nvPr>
-            <p:ph sz="half" idx="1"/>
-          </p:nvPr>
-        </p:nvSpPr>
-        <p:spPr>
-          <a:xfrm>
-            <a:off x="457200" y="1600200"/>
-            <a:ext cx="4038600" cy="4525963"/>
-          </a:xfrm>
-        </p:spPr>
-        <p:txBody>
-          <a:bodyPr/>
-          <a:lstStyle>
-            <a:lvl1pPr>
-              <a:defRPr sz="2800"/>
-            </a:lvl1pPr>
-            <a:lvl2pPr>
-              <a:defRPr sz="2400"/>
-            </a:lvl2pPr>
-            <a:lvl3pPr>
-              <a:defRPr sz="2000"/>
-            </a:lvl3pPr>
-            <a:lvl4pPr>
-              <a:defRPr sz="1800"/>
-            </a:lvl4pPr>
-            <a:lvl5pPr>
-              <a:defRPr sz="1800"/>
-            </a:lvl5pPr>
-            <a:lvl6pPr>
-              <a:defRPr sz="1800"/>
-            </a:lvl6pPr>
-            <a:lvl7pPr>
-              <a:defRPr sz="1800"/>
-            </a:lvl7pPr>
-            <a:lvl8pPr>
-              <a:defRPr sz="1800"/>
-            </a:lvl8pPr>
-            <a:lvl9pPr>
-              <a:defRPr sz="1800"/>
-            </a:lvl9pPr>
-          </a:lstStyle>
-          <a:p>
-            <a:pPr lvl="0"/>
-            <a:r>
-              <a:rPr lang="en-US" smtClean="0"/>
-              <a:t>Click to edit Master text styles</a:t>
-            </a:r>
-          </a:p>
-          <a:p>
-            <a:pPr lvl="1"/>
-            <a:r>
-              <a:rPr lang="en-US" smtClean="0"/>
-              <a:t>Second level</a:t>
-            </a:r>
-          </a:p>
-          <a:p>
-            <a:pPr lvl="2"/>
-            <a:r>
-              <a:rPr lang="en-US" smtClean="0"/>
-              <a:t>Third level</a:t>
-            </a:r>
-          </a:p>
-          <a:p>
-            <a:pPr lvl="3"/>
-            <a:r>
-              <a:rPr lang="en-US" smtClean="0"/>
-              <a:t>Fourth level</a:t>
-            </a:r>
-          </a:p>
-          <a:p>
-            <a:pPr lvl="4"/>
-            <a:r>
-              <a:rPr lang="en-US" smtClean="0"/>
-              <a:t>Fifth level</a:t>
-            </a:r>
-            <a:endParaRPr lang="sv-SE"/>
-          </a:p>
-        </p:txBody>
-      </p:sp>
-      <p:sp>
-        <p:nvSpPr>
-          <p:cNvPr id="4" name="Content Placeholder 3"/>
-          <p:cNvSpPr>
-            <a:spLocks noGrp="1"/>
-          </p:cNvSpPr>
-          <p:nvPr>
-            <p:ph sz="half" idx="2"/>
-          </p:nvPr>
-        </p:nvSpPr>
-        <p:spPr>
-          <a:xfrm>
-            <a:off x="4648200" y="1600200"/>
-            <a:ext cx="4038600" cy="4525963"/>
-          </a:xfrm>
-        </p:spPr>
-        <p:txBody>
-          <a:bodyPr/>
-          <a:lstStyle>
-            <a:lvl1pPr>
-              <a:defRPr sz="2800"/>
-            </a:lvl1pPr>
-            <a:lvl2pPr>
-              <a:defRPr sz="2400"/>
-            </a:lvl2pPr>
-            <a:lvl3pPr>
-              <a:defRPr sz="2000"/>
-            </a:lvl3pPr>
-            <a:lvl4pPr>
-              <a:defRPr sz="1800"/>
-            </a:lvl4pPr>
-            <a:lvl5pPr>
-              <a:defRPr sz="1800"/>
-            </a:lvl5pPr>
-            <a:lvl6pPr>
-              <a:defRPr sz="1800"/>
-            </a:lvl6pPr>
-            <a:lvl7pPr>
-              <a:defRPr sz="1800"/>
-            </a:lvl7pPr>
-            <a:lvl8pPr>
-              <a:defRPr sz="1800"/>
-            </a:lvl8pPr>
-            <a:lvl9pPr>
-              <a:defRPr sz="1800"/>
-            </a:lvl9pPr>
-          </a:lstStyle>
-          <a:p>
-            <a:pPr lvl="0"/>
-            <a:r>
-              <a:rPr lang="en-US" smtClean="0"/>
-              <a:t>Click to edit Master text styles</a:t>
-            </a:r>
-          </a:p>
-          <a:p>
-            <a:pPr lvl="1"/>
-            <a:r>
-              <a:rPr lang="en-US" smtClean="0"/>
-              <a:t>Second level</a:t>
-            </a:r>
-          </a:p>
-          <a:p>
-            <a:pPr lvl="2"/>
-            <a:r>
-              <a:rPr lang="en-US" smtClean="0"/>
-              <a:t>Third level</a:t>
-            </a:r>
-          </a:p>
-          <a:p>
-            <a:pPr lvl="3"/>
-            <a:r>
-              <a:rPr lang="en-US" smtClean="0"/>
-              <a:t>Fourth level</a:t>
-            </a:r>
-          </a:p>
-          <a:p>
-            <a:pPr lvl="4"/>
-            <a:r>
-              <a:rPr lang="en-US" smtClean="0"/>
-              <a:t>Fifth level</a:t>
-            </a:r>
-            <a:endParaRPr lang="sv-SE"/>
-          </a:p>
-        </p:txBody>
-      </p:sp>
-      <p:sp>
-        <p:nvSpPr>
           <p:cNvPr id="5" name="Date Placeholder 4"/>
           <p:cNvSpPr>
             <a:spLocks noGrp="1"/>
@@ -1342,7 +1134,7 @@
           <a:p>
             <a:fld id="{69E3F9EA-CD49-4829-BA5D-E641F090FA20}" type="datetimeFigureOut">
               <a:rPr lang="sv-SE" smtClean="0"/>
-              <a:t>2011-09-09</a:t>
+              <a:t>2011-09-15</a:t>
             </a:fld>
             <a:endParaRPr lang="sv-SE"/>
           </a:p>
@@ -1390,12 +1182,149 @@
           </a:p>
         </p:txBody>
       </p:sp>
+      <p:sp>
+        <p:nvSpPr>
+          <p:cNvPr id="9" name="Title 8"/>
+          <p:cNvSpPr>
+            <a:spLocks noGrp="1"/>
+          </p:cNvSpPr>
+          <p:nvPr>
+            <p:ph type="title"/>
+          </p:nvPr>
+        </p:nvSpPr>
+        <p:spPr>
+          <a:xfrm>
+            <a:off x="914400" y="1544715"/>
+            <a:ext cx="7315200" cy="1154097"/>
+          </a:xfrm>
+        </p:spPr>
+        <p:txBody>
+          <a:bodyPr/>
+          <a:lstStyle/>
+          <a:p>
+            <a:r>
+              <a:rPr lang="en-US" smtClean="0"/>
+              <a:t>Click to edit Master title style</a:t>
+            </a:r>
+            <a:endParaRPr lang="en-US"/>
+          </a:p>
+        </p:txBody>
+      </p:sp>
+      <p:sp>
+        <p:nvSpPr>
+          <p:cNvPr id="8" name="Content Placeholder 7"/>
+          <p:cNvSpPr>
+            <a:spLocks noGrp="1"/>
+          </p:cNvSpPr>
+          <p:nvPr>
+            <p:ph sz="quarter" idx="13"/>
+          </p:nvPr>
+        </p:nvSpPr>
+        <p:spPr>
+          <a:xfrm>
+            <a:off x="914400" y="2743200"/>
+            <a:ext cx="3566160" cy="3593592"/>
+          </a:xfrm>
+        </p:spPr>
+        <p:txBody>
+          <a:bodyPr/>
+          <a:lstStyle/>
+          <a:p>
+            <a:pPr lvl="0"/>
+            <a:r>
+              <a:rPr lang="en-US" smtClean="0"/>
+              <a:t>Click to edit Master text styles</a:t>
+            </a:r>
+          </a:p>
+          <a:p>
+            <a:pPr lvl="1"/>
+            <a:r>
+              <a:rPr lang="en-US" smtClean="0"/>
+              <a:t>Second level</a:t>
+            </a:r>
+          </a:p>
+          <a:p>
+            <a:pPr lvl="2"/>
+            <a:r>
+              <a:rPr lang="en-US" smtClean="0"/>
+              <a:t>Third level</a:t>
+            </a:r>
+          </a:p>
+          <a:p>
+            <a:pPr lvl="3"/>
+            <a:r>
+              <a:rPr lang="en-US" smtClean="0"/>
+              <a:t>Fourth level</a:t>
+            </a:r>
+          </a:p>
+          <a:p>
+            <a:pPr lvl="4"/>
+            <a:r>
+              <a:rPr lang="en-US" smtClean="0"/>
+              <a:t>Fifth level</a:t>
+            </a:r>
+            <a:endParaRPr lang="en-US"/>
+          </a:p>
+        </p:txBody>
+      </p:sp>
+      <p:sp>
+        <p:nvSpPr>
+          <p:cNvPr id="11" name="Content Placeholder 10"/>
+          <p:cNvSpPr>
+            <a:spLocks noGrp="1"/>
+          </p:cNvSpPr>
+          <p:nvPr>
+            <p:ph sz="quarter" idx="14"/>
+          </p:nvPr>
+        </p:nvSpPr>
+        <p:spPr>
+          <a:xfrm>
+            <a:off x="4681728" y="2743200"/>
+            <a:ext cx="3566160" cy="3595687"/>
+          </a:xfrm>
+        </p:spPr>
+        <p:txBody>
+          <a:bodyPr/>
+          <a:lstStyle/>
+          <a:p>
+            <a:pPr lvl="0"/>
+            <a:r>
+              <a:rPr lang="en-US" smtClean="0"/>
+              <a:t>Click to edit Master text styles</a:t>
+            </a:r>
+          </a:p>
+          <a:p>
+            <a:pPr lvl="1"/>
+            <a:r>
+              <a:rPr lang="en-US" smtClean="0"/>
+              <a:t>Second level</a:t>
+            </a:r>
+          </a:p>
+          <a:p>
+            <a:pPr lvl="2"/>
+            <a:r>
+              <a:rPr lang="en-US" smtClean="0"/>
+              <a:t>Third level</a:t>
+            </a:r>
+          </a:p>
+          <a:p>
+            <a:pPr lvl="3"/>
+            <a:r>
+              <a:rPr lang="en-US" smtClean="0"/>
+              <a:t>Fourth level</a:t>
+            </a:r>
+          </a:p>
+          <a:p>
+            <a:pPr lvl="4"/>
+            <a:r>
+              <a:rPr lang="en-US" smtClean="0"/>
+              <a:t>Fifth level</a:t>
+            </a:r>
+            <a:endParaRPr lang="en-US"/>
+          </a:p>
+        </p:txBody>
+      </p:sp>
     </p:spTree>
-    <p:extLst>
-      <p:ext uri="{BB962C8B-B14F-4D97-AF65-F5344CB8AC3E}">
-        <p14:creationId xmlns:p14="http://schemas.microsoft.com/office/powerpoint/2010/main" val="137855767"/>
-      </p:ext>
-    </p:extLst>
   </p:cSld>
   <p:clrMapOvr>
     <a:masterClrMapping/>
@@ -1422,33 +1351,6 @@
       </p:grpSpPr>
       <p:sp>
         <p:nvSpPr>
-          <p:cNvPr id="2" name="Title 1"/>
-          <p:cNvSpPr>
-            <a:spLocks noGrp="1"/>
-          </p:cNvSpPr>
-          <p:nvPr>
-            <p:ph type="title"/>
-          </p:nvPr>
-        </p:nvSpPr>
-        <p:spPr/>
-        <p:txBody>
-          <a:bodyPr/>
-          <a:lstStyle>
-            <a:lvl1pPr>
-              <a:defRPr/>
-            </a:lvl1pPr>
-          </a:lstStyle>
-          <a:p>
-            <a:r>
-              <a:rPr lang="en-US" smtClean="0"/>
-              <a:t>Click to edit Master title style</a:t>
-            </a:r>
-            <a:endParaRPr lang="sv-SE"/>
-          </a:p>
-        </p:txBody>
-      </p:sp>
-      <p:sp>
-        <p:nvSpPr>
           <p:cNvPr id="3" name="Text Placeholder 2"/>
           <p:cNvSpPr>
             <a:spLocks noGrp="1"/>
@@ -1459,16 +1361,22 @@
         </p:nvSpPr>
         <p:spPr>
           <a:xfrm>
-            <a:off x="457200" y="1535113"/>
-            <a:ext cx="4040188" cy="639762"/>
+            <a:off x="1116348" y="2743200"/>
+            <a:ext cx="3364992" cy="621792"/>
           </a:xfrm>
         </p:spPr>
         <p:txBody>
-          <a:bodyPr anchor="b"/>
+          <a:bodyPr anchor="b">
+            <a:noAutofit/>
+          </a:bodyPr>
           <a:lstStyle>
             <a:lvl1pPr marL="0" indent="0">
               <a:buNone/>
-              <a:defRPr sz="2400" b="1"/>
+              <a:defRPr sz="2000" b="1">
+                <a:solidFill>
+                  <a:schemeClr val="tx2"/>
+                </a:solidFill>
+              </a:defRPr>
             </a:lvl1pPr>
             <a:lvl2pPr marL="457200" indent="0">
               <a:buNone/>
@@ -1514,111 +1422,32 @@
       </p:sp>
       <p:sp>
         <p:nvSpPr>
-          <p:cNvPr id="4" name="Content Placeholder 3"/>
-          <p:cNvSpPr>
-            <a:spLocks noGrp="1"/>
-          </p:cNvSpPr>
-          <p:nvPr>
-            <p:ph sz="half" idx="2"/>
+          <p:cNvPr id="5" name="Text Placeholder 4"/>
+          <p:cNvSpPr>
+            <a:spLocks noGrp="1"/>
+          </p:cNvSpPr>
+          <p:nvPr>
+            <p:ph type="body" sz="quarter" idx="3"/>
           </p:nvPr>
         </p:nvSpPr>
         <p:spPr>
           <a:xfrm>
-            <a:off x="457200" y="2174875"/>
-            <a:ext cx="4040188" cy="3951288"/>
+            <a:off x="4885144" y="2743200"/>
+            <a:ext cx="3362062" cy="621792"/>
           </a:xfrm>
         </p:spPr>
         <p:txBody>
-          <a:bodyPr/>
-          <a:lstStyle>
-            <a:lvl1pPr>
-              <a:defRPr sz="2400"/>
-            </a:lvl1pPr>
-            <a:lvl2pPr>
-              <a:defRPr sz="2000"/>
-            </a:lvl2pPr>
-            <a:lvl3pPr>
-              <a:defRPr sz="1800"/>
-            </a:lvl3pPr>
-            <a:lvl4pPr>
-              <a:defRPr sz="1600"/>
-            </a:lvl4pPr>
-            <a:lvl5pPr>
-              <a:defRPr sz="1600"/>
-            </a:lvl5pPr>
-            <a:lvl6pPr>
-              <a:defRPr sz="1600"/>
-            </a:lvl6pPr>
-            <a:lvl7pPr>
-              <a:defRPr sz="1600"/>
-            </a:lvl7pPr>
-            <a:lvl8pPr>
-              <a:defRPr sz="1600"/>
-            </a:lvl8pPr>
-            <a:lvl9pPr>
-              <a:defRPr sz="1600"/>
-            </a:lvl9pPr>
-          </a:lstStyle>
-          <a:p>
-            <a:pPr lvl="0"/>
-            <a:r>
-              <a:rPr lang="en-US" smtClean="0"/>
-              <a:t>Click to edit Master text styles</a:t>
-            </a:r>
-          </a:p>
-          <a:p>
-            <a:pPr lvl="1"/>
-            <a:r>
-              <a:rPr lang="en-US" smtClean="0"/>
-              <a:t>Second level</a:t>
-            </a:r>
-          </a:p>
-          <a:p>
-            <a:pPr lvl="2"/>
-            <a:r>
-              <a:rPr lang="en-US" smtClean="0"/>
-              <a:t>Third level</a:t>
-            </a:r>
-          </a:p>
-          <a:p>
-            <a:pPr lvl="3"/>
-            <a:r>
-              <a:rPr lang="en-US" smtClean="0"/>
-              <a:t>Fourth level</a:t>
-            </a:r>
-          </a:p>
-          <a:p>
-            <a:pPr lvl="4"/>
-            <a:r>
-              <a:rPr lang="en-US" smtClean="0"/>
-              <a:t>Fifth level</a:t>
-            </a:r>
-            <a:endParaRPr lang="sv-SE"/>
-          </a:p>
-        </p:txBody>
-      </p:sp>
-      <p:sp>
-        <p:nvSpPr>
-          <p:cNvPr id="5" name="Text Placeholder 4"/>
-          <p:cNvSpPr>
-            <a:spLocks noGrp="1"/>
-          </p:cNvSpPr>
-          <p:nvPr>
-            <p:ph type="body" sz="quarter" idx="3"/>
-          </p:nvPr>
-        </p:nvSpPr>
-        <p:spPr>
-          <a:xfrm>
-            <a:off x="4645025" y="1535113"/>
-            <a:ext cx="4041775" cy="639762"/>
-          </a:xfrm>
-        </p:spPr>
-        <p:txBody>
-          <a:bodyPr anchor="b"/>
+          <a:bodyPr anchor="b">
+            <a:noAutofit/>
+          </a:bodyPr>
           <a:lstStyle>
             <a:lvl1pPr marL="0" indent="0">
               <a:buNone/>
-              <a:defRPr sz="2400" b="1"/>
+              <a:defRPr sz="2000" b="1">
+                <a:solidFill>
+                  <a:schemeClr val="tx2"/>
+                </a:solidFill>
+              </a:defRPr>
             </a:lvl1pPr>
             <a:lvl2pPr marL="457200" indent="0">
               <a:buNone/>
@@ -1664,91 +1493,6 @@
       </p:sp>
       <p:sp>
         <p:nvSpPr>
-          <p:cNvPr id="6" name="Content Placeholder 5"/>
-          <p:cNvSpPr>
-            <a:spLocks noGrp="1"/>
-          </p:cNvSpPr>
-          <p:nvPr>
-            <p:ph sz="quarter" idx="4"/>
-          </p:nvPr>
-        </p:nvSpPr>
-        <p:spPr>
-          <a:xfrm>
-            <a:off x="4645025" y="2174875"/>
-            <a:ext cx="4041775" cy="3951288"/>
-          </a:xfrm>
-        </p:spPr>
-        <p:txBody>
-          <a:bodyPr/>
-          <a:lstStyle>
-            <a:lvl1pPr>
-              <a:defRPr sz="2400"/>
-            </a:lvl1pPr>
-            <a:lvl2pPr>
-              <a:defRPr sz="2000"/>
-            </a:lvl2pPr>
-            <a:lvl3pPr>
-              <a:defRPr sz="1800"/>
-            </a:lvl3pPr>
-            <a:lvl4pPr>
-              <a:defRPr sz="1600"/>
-            </a:lvl4pPr>
-            <a:lvl5pPr>
-              <a:defRPr sz="1600"/>
-            </a:lvl5pPr>
-            <a:lvl6pPr>
-              <a:defRPr sz="1600"/>
-            </a:lvl6pPr>
-            <a:lvl7pPr>
-              <a:defRPr sz="1600"/>
-            </a:lvl7pPr>
-            <a:lvl8pPr>
-              <a:defRPr sz="1600"/>
-            </a:lvl8pPr>
-            <a:lvl9pPr>
-              <a:defRPr sz="1600"/>
-            </a:lvl9pPr>
-          </a:lstStyle>
-          <a:p>
-            <a:pPr lvl="0"/>
-            <a:r>
-              <a:rPr lang="en-US" smtClean="0"/>
-              <a:t>Click to edit Master text styles</a:t>
-            </a:r>
-          </a:p>
-          <a:p>
-            <a:pPr lvl="1"/>
-            <a:r>
-              <a:rPr lang="en-US" smtClean="0"/>
-              <a:t>Second level</a:t>
-            </a:r>
-          </a:p>
-          <a:p>
-            <a:pPr lvl="2"/>
-            <a:r>
-              <a:rPr lang="en-US" smtClean="0"/>
-              <a:t>Third level</a:t>
-            </a:r>
-          </a:p>
-          <a:p>
-            <a:pPr lvl="3"/>
-            <a:r>
-              <a:rPr lang="en-US" smtClean="0"/>
-              <a:t>Fourth level</a:t>
-            </a:r>
-          </a:p>
-          <a:p>
-            <a:pPr lvl="4"/>
-            <a:r>
-              <a:rPr lang="en-US" smtClean="0"/>
-              <a:t>Fifth level</a:t>
-            </a:r>
-            <a:endParaRPr lang="sv-SE"/>
-          </a:p>
-        </p:txBody>
-      </p:sp>
-      <p:sp>
-        <p:nvSpPr>
           <p:cNvPr id="7" name="Date Placeholder 6"/>
           <p:cNvSpPr>
             <a:spLocks noGrp="1"/>
@@ -1764,7 +1508,7 @@
           <a:p>
             <a:fld id="{69E3F9EA-CD49-4829-BA5D-E641F090FA20}" type="datetimeFigureOut">
               <a:rPr lang="sv-SE" smtClean="0"/>
-              <a:t>2011-09-09</a:t>
+              <a:t>2011-09-15</a:t>
             </a:fld>
             <a:endParaRPr lang="sv-SE"/>
           </a:p>
@@ -1812,12 +1556,149 @@
           </a:p>
         </p:txBody>
       </p:sp>
+      <p:sp>
+        <p:nvSpPr>
+          <p:cNvPr id="10" name="Title 9"/>
+          <p:cNvSpPr>
+            <a:spLocks noGrp="1"/>
+          </p:cNvSpPr>
+          <p:nvPr>
+            <p:ph type="title"/>
+          </p:nvPr>
+        </p:nvSpPr>
+        <p:spPr>
+          <a:xfrm>
+            <a:off x="914400" y="1544715"/>
+            <a:ext cx="7315200" cy="1154097"/>
+          </a:xfrm>
+        </p:spPr>
+        <p:txBody>
+          <a:bodyPr/>
+          <a:lstStyle/>
+          <a:p>
+            <a:r>
+              <a:rPr lang="en-US" smtClean="0"/>
+              <a:t>Click to edit Master title style</a:t>
+            </a:r>
+            <a:endParaRPr lang="en-US" dirty="0"/>
+          </a:p>
+        </p:txBody>
+      </p:sp>
+      <p:sp>
+        <p:nvSpPr>
+          <p:cNvPr id="11" name="Content Placeholder 10"/>
+          <p:cNvSpPr>
+            <a:spLocks noGrp="1"/>
+          </p:cNvSpPr>
+          <p:nvPr>
+            <p:ph sz="quarter" idx="13"/>
+          </p:nvPr>
+        </p:nvSpPr>
+        <p:spPr>
+          <a:xfrm>
+            <a:off x="914400" y="3383280"/>
+            <a:ext cx="3566160" cy="2953512"/>
+          </a:xfrm>
+        </p:spPr>
+        <p:txBody>
+          <a:bodyPr/>
+          <a:lstStyle/>
+          <a:p>
+            <a:pPr lvl="0"/>
+            <a:r>
+              <a:rPr lang="en-US" smtClean="0"/>
+              <a:t>Click to edit Master text styles</a:t>
+            </a:r>
+          </a:p>
+          <a:p>
+            <a:pPr lvl="1"/>
+            <a:r>
+              <a:rPr lang="en-US" smtClean="0"/>
+              <a:t>Second level</a:t>
+            </a:r>
+          </a:p>
+          <a:p>
+            <a:pPr lvl="2"/>
+            <a:r>
+              <a:rPr lang="en-US" smtClean="0"/>
+              <a:t>Third level</a:t>
+            </a:r>
+          </a:p>
+          <a:p>
+            <a:pPr lvl="3"/>
+            <a:r>
+              <a:rPr lang="en-US" smtClean="0"/>
+              <a:t>Fourth level</a:t>
+            </a:r>
+          </a:p>
+          <a:p>
+            <a:pPr lvl="4"/>
+            <a:r>
+              <a:rPr lang="en-US" smtClean="0"/>
+              <a:t>Fifth level</a:t>
+            </a:r>
+            <a:endParaRPr lang="en-US" dirty="0"/>
+          </a:p>
+        </p:txBody>
+      </p:sp>
+      <p:sp>
+        <p:nvSpPr>
+          <p:cNvPr id="13" name="Content Placeholder 12"/>
+          <p:cNvSpPr>
+            <a:spLocks noGrp="1"/>
+          </p:cNvSpPr>
+          <p:nvPr>
+            <p:ph sz="quarter" idx="14"/>
+          </p:nvPr>
+        </p:nvSpPr>
+        <p:spPr>
+          <a:xfrm>
+            <a:off x="4681727" y="3383280"/>
+            <a:ext cx="3566160" cy="2953512"/>
+          </a:xfrm>
+        </p:spPr>
+        <p:txBody>
+          <a:bodyPr/>
+          <a:lstStyle/>
+          <a:p>
+            <a:pPr lvl="0"/>
+            <a:r>
+              <a:rPr lang="en-US" smtClean="0"/>
+              <a:t>Click to edit Master text styles</a:t>
+            </a:r>
+          </a:p>
+          <a:p>
+            <a:pPr lvl="1"/>
+            <a:r>
+              <a:rPr lang="en-US" smtClean="0"/>
+              <a:t>Second level</a:t>
+            </a:r>
+          </a:p>
+          <a:p>
+            <a:pPr lvl="2"/>
+            <a:r>
+              <a:rPr lang="en-US" smtClean="0"/>
+              <a:t>Third level</a:t>
+            </a:r>
+          </a:p>
+          <a:p>
+            <a:pPr lvl="3"/>
+            <a:r>
+              <a:rPr lang="en-US" smtClean="0"/>
+              <a:t>Fourth level</a:t>
+            </a:r>
+          </a:p>
+          <a:p>
+            <a:pPr lvl="4"/>
+            <a:r>
+              <a:rPr lang="en-US" smtClean="0"/>
+              <a:t>Fifth level</a:t>
+            </a:r>
+            <a:endParaRPr lang="en-US" dirty="0"/>
+          </a:p>
+        </p:txBody>
+      </p:sp>
     </p:spTree>
-    <p:extLst>
-      <p:ext uri="{BB962C8B-B14F-4D97-AF65-F5344CB8AC3E}">
-        <p14:creationId xmlns:p14="http://schemas.microsoft.com/office/powerpoint/2010/main" val="2485653997"/>
-      </p:ext>
-    </p:extLst>
   </p:cSld>
   <p:clrMapOvr>
     <a:masterClrMapping/>
@@ -1861,7 +1742,7 @@
               <a:rPr lang="en-US" smtClean="0"/>
               <a:t>Click to edit Master title style</a:t>
             </a:r>
-            <a:endParaRPr lang="sv-SE"/>
+            <a:endParaRPr lang="en-US"/>
           </a:p>
         </p:txBody>
       </p:sp>
@@ -1882,7 +1763,7 @@
           <a:p>
             <a:fld id="{69E3F9EA-CD49-4829-BA5D-E641F090FA20}" type="datetimeFigureOut">
               <a:rPr lang="sv-SE" smtClean="0"/>
-              <a:t>2011-09-09</a:t>
+              <a:t>2011-09-15</a:t>
             </a:fld>
             <a:endParaRPr lang="sv-SE"/>
           </a:p>
@@ -1931,11 +1812,6 @@
         </p:txBody>
       </p:sp>
     </p:spTree>
-    <p:extLst>
-      <p:ext uri="{BB962C8B-B14F-4D97-AF65-F5344CB8AC3E}">
-        <p14:creationId xmlns:p14="http://schemas.microsoft.com/office/powerpoint/2010/main" val="313480015"/>
-      </p:ext>
-    </p:extLst>
   </p:cSld>
   <p:clrMapOvr>
     <a:masterClrMapping/>
@@ -1977,7 +1853,7 @@
           <a:p>
             <a:fld id="{69E3F9EA-CD49-4829-BA5D-E641F090FA20}" type="datetimeFigureOut">
               <a:rPr lang="sv-SE" smtClean="0"/>
-              <a:t>2011-09-09</a:t>
+              <a:t>2011-09-15</a:t>
             </a:fld>
             <a:endParaRPr lang="sv-SE"/>
           </a:p>
@@ -2026,11 +1902,6 @@
         </p:txBody>
       </p:sp>
     </p:spTree>
-    <p:extLst>
-      <p:ext uri="{BB962C8B-B14F-4D97-AF65-F5344CB8AC3E}">
-        <p14:creationId xmlns:p14="http://schemas.microsoft.com/office/powerpoint/2010/main" val="61532579"/>
-      </p:ext>
-    </p:extLst>
   </p:cSld>
   <p:clrMapOvr>
     <a:masterClrMapping/>
@@ -2067,15 +1938,17 @@
         </p:nvSpPr>
         <p:spPr>
           <a:xfrm>
-            <a:off x="457200" y="273050"/>
-            <a:ext cx="3008313" cy="1162050"/>
+            <a:off x="914400" y="1825362"/>
+            <a:ext cx="2950936" cy="2173015"/>
           </a:xfrm>
         </p:spPr>
         <p:txBody>
-          <a:bodyPr anchor="b"/>
+          <a:bodyPr anchor="b">
+            <a:normAutofit/>
+          </a:bodyPr>
           <a:lstStyle>
             <a:lvl1pPr algn="l">
-              <a:defRPr sz="2000" b="1"/>
+              <a:defRPr sz="2800" b="0"/>
             </a:lvl1pPr>
           </a:lstStyle>
           <a:p>
@@ -2083,7 +1956,7 @@
               <a:rPr lang="en-US" smtClean="0"/>
               <a:t>Click to edit Master title style</a:t>
             </a:r>
-            <a:endParaRPr lang="sv-SE"/>
+            <a:endParaRPr lang="en-US" dirty="0"/>
           </a:p>
         </p:txBody>
       </p:sp>
@@ -2099,27 +1972,27 @@
         </p:nvSpPr>
         <p:spPr>
           <a:xfrm>
-            <a:off x="3575050" y="273050"/>
-            <a:ext cx="5111750" cy="5853113"/>
+            <a:off x="4021752" y="1826709"/>
+            <a:ext cx="4207848" cy="4476614"/>
           </a:xfrm>
         </p:spPr>
         <p:txBody>
-          <a:bodyPr/>
+          <a:bodyPr anchor="ctr"/>
           <a:lstStyle>
             <a:lvl1pPr>
-              <a:defRPr sz="3200"/>
+              <a:defRPr sz="2000"/>
             </a:lvl1pPr>
             <a:lvl2pPr>
-              <a:defRPr sz="2800"/>
+              <a:defRPr sz="1800"/>
             </a:lvl2pPr>
             <a:lvl3pPr>
-              <a:defRPr sz="2400"/>
+              <a:defRPr sz="1600"/>
             </a:lvl3pPr>
             <a:lvl4pPr>
-              <a:defRPr sz="2000"/>
+              <a:defRPr sz="1400"/>
             </a:lvl4pPr>
             <a:lvl5pPr>
-              <a:defRPr sz="2000"/>
+              <a:defRPr sz="1400"/>
             </a:lvl5pPr>
             <a:lvl6pPr>
               <a:defRPr sz="2000"/>
@@ -2168,7 +2041,7 @@
               <a:rPr lang="en-US" smtClean="0"/>
               <a:t>Fifth level</a:t>
             </a:r>
-            <a:endParaRPr lang="sv-SE"/>
+            <a:endParaRPr lang="en-US" dirty="0"/>
           </a:p>
         </p:txBody>
       </p:sp>
@@ -2184,8 +2057,8 @@
         </p:nvSpPr>
         <p:spPr>
           <a:xfrm>
-            <a:off x="457200" y="1435100"/>
-            <a:ext cx="3008313" cy="4691063"/>
+            <a:off x="914400" y="4061095"/>
+            <a:ext cx="2950936" cy="2245387"/>
           </a:xfrm>
         </p:spPr>
         <p:txBody>
@@ -2254,7 +2127,7 @@
           <a:p>
             <a:fld id="{69E3F9EA-CD49-4829-BA5D-E641F090FA20}" type="datetimeFigureOut">
               <a:rPr lang="sv-SE" smtClean="0"/>
-              <a:t>2011-09-09</a:t>
+              <a:t>2011-09-15</a:t>
             </a:fld>
             <a:endParaRPr lang="sv-SE"/>
           </a:p>
@@ -2303,11 +2176,6 @@
         </p:txBody>
       </p:sp>
     </p:spTree>
-    <p:extLst>
-      <p:ext uri="{BB962C8B-B14F-4D97-AF65-F5344CB8AC3E}">
-        <p14:creationId xmlns:p14="http://schemas.microsoft.com/office/powerpoint/2010/main" val="3261641"/>
-      </p:ext>
-    </p:extLst>
   </p:cSld>
   <p:clrMapOvr>
     <a:masterClrMapping/>
@@ -2344,15 +2212,17 @@
         </p:nvSpPr>
         <p:spPr>
           <a:xfrm>
-            <a:off x="1792288" y="4800600"/>
-            <a:ext cx="5486400" cy="566738"/>
+            <a:off x="914400" y="1828800"/>
+            <a:ext cx="2953512" cy="2176272"/>
           </a:xfrm>
         </p:spPr>
         <p:txBody>
-          <a:bodyPr anchor="b"/>
+          <a:bodyPr anchor="b">
+            <a:normAutofit/>
+          </a:bodyPr>
           <a:lstStyle>
             <a:lvl1pPr algn="l">
-              <a:defRPr sz="2000" b="1"/>
+              <a:defRPr sz="2800" b="0"/>
             </a:lvl1pPr>
           </a:lstStyle>
           <a:p>
@@ -2360,7 +2230,7 @@
               <a:rPr lang="en-US" smtClean="0"/>
               <a:t>Click to edit Master title style</a:t>
             </a:r>
-            <a:endParaRPr lang="sv-SE"/>
+            <a:endParaRPr lang="en-US" dirty="0"/>
           </a:p>
         </p:txBody>
       </p:sp>
@@ -2376,9 +2246,27 @@
         </p:nvSpPr>
         <p:spPr>
           <a:xfrm>
-            <a:off x="1792288" y="612775"/>
-            <a:ext cx="5486400" cy="4114800"/>
+            <a:off x="4191000" y="2286000"/>
+            <a:ext cx="4038600" cy="3352800"/>
           </a:xfrm>
+          <a:solidFill>
+            <a:schemeClr val="accent2"/>
+          </a:solidFill>
+          <a:ln w="12700">
+            <a:noFill/>
+          </a:ln>
+          <a:effectLst>
+            <a:reflection blurRad="12700" stA="30000" endPos="30000" dist="31750" dir="5400000" sy="-100000" algn="bl" rotWithShape="0"/>
+          </a:effectLst>
+          <a:scene3d>
+            <a:camera prst="perspectiveRight" fov="2700000">
+              <a:rot lat="240000" lon="900000" rev="0"/>
+            </a:camera>
+            <a:lightRig rig="threePt" dir="t">
+              <a:rot lat="0" lon="0" rev="2700000"/>
+            </a:lightRig>
+          </a:scene3d>
+          <a:sp3d/>
         </p:spPr>
         <p:txBody>
           <a:bodyPr/>
@@ -2421,7 +2309,11 @@
             </a:lvl9pPr>
           </a:lstStyle>
           <a:p>
-            <a:endParaRPr lang="sv-SE"/>
+            <a:r>
+              <a:rPr lang="en-US" smtClean="0"/>
+              <a:t>Click icon to add picture</a:t>
+            </a:r>
+            <a:endParaRPr lang="en-US" dirty="0"/>
           </a:p>
         </p:txBody>
       </p:sp>
@@ -2437,8 +2329,8 @@
         </p:nvSpPr>
         <p:spPr>
           <a:xfrm>
-            <a:off x="1792288" y="5367338"/>
-            <a:ext cx="5486400" cy="804862"/>
+            <a:off x="914400" y="4059936"/>
+            <a:ext cx="2953512" cy="2249424"/>
           </a:xfrm>
         </p:spPr>
         <p:txBody>
@@ -2507,7 +2399,7 @@
           <a:p>
             <a:fld id="{69E3F9EA-CD49-4829-BA5D-E641F090FA20}" type="datetimeFigureOut">
               <a:rPr lang="sv-SE" smtClean="0"/>
-              <a:t>2011-09-09</a:t>
+              <a:t>2011-09-15</a:t>
             </a:fld>
             <a:endParaRPr lang="sv-SE"/>
           </a:p>
@@ -2556,11 +2448,6 @@
         </p:txBody>
       </p:sp>
     </p:spTree>
-    <p:extLst>
-      <p:ext uri="{BB962C8B-B14F-4D97-AF65-F5344CB8AC3E}">
-        <p14:creationId xmlns:p14="http://schemas.microsoft.com/office/powerpoint/2010/main" val="2822451957"/>
-      </p:ext>
-    </p:extLst>
   </p:cSld>
   <p:clrMapOvr>
     <a:masterClrMapping/>
@@ -2572,8 +2459,8 @@
 <p:sldMaster xmlns:a="http://schemas.openxmlformats.org/drawingml/2006/main" xmlns:r="http://schemas.openxmlformats.org/officeDocument/2006/relationships" xmlns:p="http://schemas.openxmlformats.org/presentationml/2006/main">
   <p:cSld>
     <p:bg>
-      <p:bgRef idx="1001">
-        <a:schemeClr val="bg1"/>
+      <p:bgRef idx="1002">
+        <a:schemeClr val="bg2"/>
       </p:bgRef>
     </p:bg>
     <p:spTree>
@@ -2592,25 +2479,117 @@
       </p:grpSpPr>
       <p:sp>
         <p:nvSpPr>
-          <p:cNvPr id="2" name="Title Placeholder 1"/>
-          <p:cNvSpPr>
-            <a:spLocks noGrp="1"/>
-          </p:cNvSpPr>
-          <p:nvPr>
-            <p:ph type="title"/>
-          </p:nvPr>
+          <p:cNvPr id="10" name="Rectangle 9"/>
+          <p:cNvSpPr/>
+          <p:nvPr/>
         </p:nvSpPr>
         <p:spPr>
           <a:xfrm>
-            <a:off x="457200" y="274638"/>
-            <a:ext cx="8229600" cy="1143000"/>
+            <a:off x="8435268" y="573807"/>
+            <a:ext cx="86236" cy="572316"/>
+          </a:xfrm>
+          <a:prstGeom prst="rect">
+            <a:avLst/>
+          </a:prstGeom>
+          <a:solidFill>
+            <a:schemeClr val="tx2"/>
+          </a:solidFill>
+          <a:ln>
+            <a:noFill/>
+          </a:ln>
+        </p:spPr>
+        <p:style>
+          <a:lnRef idx="2">
+            <a:schemeClr val="accent1">
+              <a:shade val="50000"/>
+            </a:schemeClr>
+          </a:lnRef>
+          <a:fillRef idx="1">
+            <a:schemeClr val="accent1"/>
+          </a:fillRef>
+          <a:effectRef idx="0">
+            <a:schemeClr val="accent1"/>
+          </a:effectRef>
+          <a:fontRef idx="minor">
+            <a:schemeClr val="lt1"/>
+          </a:fontRef>
+        </p:style>
+        <p:txBody>
+          <a:bodyPr rtlCol="0" anchor="ctr"/>
+          <a:lstStyle/>
+          <a:p>
+            <a:pPr algn="ctr"/>
+            <a:endParaRPr lang="en-US"/>
+          </a:p>
+        </p:txBody>
+      </p:sp>
+      <p:sp>
+        <p:nvSpPr>
+          <p:cNvPr id="11" name="Rectangle 10"/>
+          <p:cNvSpPr/>
+          <p:nvPr/>
+        </p:nvSpPr>
+        <p:spPr>
+          <a:xfrm>
+            <a:off x="8569419" y="573807"/>
+            <a:ext cx="576072" cy="572316"/>
+          </a:xfrm>
+          <a:prstGeom prst="rect">
+            <a:avLst/>
+          </a:prstGeom>
+          <a:solidFill>
+            <a:schemeClr val="tx2"/>
+          </a:solidFill>
+          <a:ln>
+            <a:noFill/>
+          </a:ln>
+        </p:spPr>
+        <p:style>
+          <a:lnRef idx="2">
+            <a:schemeClr val="accent1">
+              <a:shade val="50000"/>
+            </a:schemeClr>
+          </a:lnRef>
+          <a:fillRef idx="1">
+            <a:schemeClr val="accent1"/>
+          </a:fillRef>
+          <a:effectRef idx="0">
+            <a:schemeClr val="accent1"/>
+          </a:effectRef>
+          <a:fontRef idx="minor">
+            <a:schemeClr val="lt1"/>
+          </a:fontRef>
+        </p:style>
+        <p:txBody>
+          <a:bodyPr rtlCol="0" anchor="ctr"/>
+          <a:lstStyle/>
+          <a:p>
+            <a:pPr algn="ctr"/>
+            <a:endParaRPr lang="en-US"/>
+          </a:p>
+        </p:txBody>
+      </p:sp>
+      <p:sp>
+        <p:nvSpPr>
+          <p:cNvPr id="2" name="Title Placeholder 1"/>
+          <p:cNvSpPr>
+            <a:spLocks noGrp="1"/>
+          </p:cNvSpPr>
+          <p:nvPr>
+            <p:ph type="title"/>
+          </p:nvPr>
+        </p:nvSpPr>
+        <p:spPr>
+          <a:xfrm>
+            <a:off x="914400" y="1544715"/>
+            <a:ext cx="7315200" cy="1154097"/>
           </a:xfrm>
           <a:prstGeom prst="rect">
             <a:avLst/>
           </a:prstGeom>
         </p:spPr>
         <p:txBody>
-          <a:bodyPr vert="horz" lIns="91440" tIns="45720" rIns="91440" bIns="45720" rtlCol="0" anchor="ctr">
+          <a:bodyPr vert="horz" lIns="91440" tIns="45720" rIns="91440" bIns="45720" rtlCol="0" anchor="b">
             <a:normAutofit/>
           </a:bodyPr>
           <a:lstStyle/>
@@ -2619,7 +2598,7 @@
               <a:rPr lang="en-US" smtClean="0"/>
               <a:t>Click to edit Master title style</a:t>
             </a:r>
-            <a:endParaRPr lang="sv-SE"/>
+            <a:endParaRPr lang="en-US" dirty="0"/>
           </a:p>
         </p:txBody>
       </p:sp>
@@ -2635,8 +2614,8 @@
         </p:nvSpPr>
         <p:spPr>
           <a:xfrm>
-            <a:off x="457200" y="1600200"/>
-            <a:ext cx="8229600" cy="4525963"/>
+            <a:off x="914400" y="2769833"/>
+            <a:ext cx="7315200" cy="3539527"/>
           </a:xfrm>
           <a:prstGeom prst="rect">
             <a:avLst/>
@@ -2681,7 +2660,7 @@
               <a:rPr lang="en-US" smtClean="0"/>
               <a:t>Fifth level</a:t>
             </a:r>
-            <a:endParaRPr lang="sv-SE"/>
+            <a:endParaRPr lang="en-US" dirty="0" smtClean="0"/>
           </a:p>
         </p:txBody>
       </p:sp>
@@ -2697,8 +2676,8 @@
         </p:nvSpPr>
         <p:spPr>
           <a:xfrm>
-            <a:off x="457200" y="6356350"/>
-            <a:ext cx="2133600" cy="365125"/>
+            <a:off x="6007690" y="548797"/>
+            <a:ext cx="1189132" cy="297918"/>
           </a:xfrm>
           <a:prstGeom prst="rect">
             <a:avLst/>
@@ -2711,7 +2690,7 @@
               <a:defRPr sz="1200">
                 <a:solidFill>
                   <a:schemeClr val="tx1">
-                    <a:tint val="75000"/>
+                    <a:alpha val="50000"/>
                   </a:schemeClr>
                 </a:solidFill>
               </a:defRPr>
@@ -2720,7 +2699,7 @@
           <a:p>
             <a:fld id="{69E3F9EA-CD49-4829-BA5D-E641F090FA20}" type="datetimeFigureOut">
               <a:rPr lang="sv-SE" smtClean="0"/>
-              <a:t>2011-09-09</a:t>
+              <a:t>2011-09-15</a:t>
             </a:fld>
             <a:endParaRPr lang="sv-SE"/>
           </a:p>
@@ -2728,18 +2707,18 @@
       </p:sp>
       <p:sp>
         <p:nvSpPr>
-          <p:cNvPr id="5" name="Footer Placeholder 4"/>
-          <p:cNvSpPr>
-            <a:spLocks noGrp="1"/>
-          </p:cNvSpPr>
-          <p:nvPr>
-            <p:ph type="ftr" sz="quarter" idx="3"/>
+          <p:cNvPr id="6" name="Slide Number Placeholder 5"/>
+          <p:cNvSpPr>
+            <a:spLocks noGrp="1"/>
+          </p:cNvSpPr>
+          <p:nvPr>
+            <p:ph type="sldNum" sz="quarter" idx="4"/>
           </p:nvPr>
         </p:nvSpPr>
         <p:spPr>
           <a:xfrm>
-            <a:off x="3124200" y="6356350"/>
-            <a:ext cx="2895600" cy="365125"/>
+            <a:off x="7314415" y="548797"/>
+            <a:ext cx="941203" cy="301752"/>
           </a:xfrm>
           <a:prstGeom prst="rect">
             <a:avLst/>
@@ -2748,108 +2727,158 @@
         <p:txBody>
           <a:bodyPr vert="horz" lIns="91440" tIns="45720" rIns="91440" bIns="45720" rtlCol="0" anchor="ctr"/>
           <a:lstStyle>
-            <a:lvl1pPr algn="ctr">
+            <a:lvl1pPr algn="r">
               <a:defRPr sz="1200">
                 <a:solidFill>
-                  <a:schemeClr val="tx1">
-                    <a:tint val="75000"/>
-                  </a:schemeClr>
+                  <a:schemeClr val="tx1"/>
                 </a:solidFill>
               </a:defRPr>
             </a:lvl1pPr>
           </a:lstStyle>
           <a:p>
+            <a:fld id="{BB3C0061-40A0-44E9-B950-E3D502F32289}" type="slidenum">
+              <a:rPr lang="sv-SE" smtClean="0"/>
+              <a:t>‹#›</a:t>
+            </a:fld>
             <a:endParaRPr lang="sv-SE"/>
           </a:p>
         </p:txBody>
       </p:sp>
       <p:sp>
         <p:nvSpPr>
-          <p:cNvPr id="6" name="Slide Number Placeholder 5"/>
-          <p:cNvSpPr>
-            <a:spLocks noGrp="1"/>
-          </p:cNvSpPr>
-          <p:nvPr>
-            <p:ph type="sldNum" sz="quarter" idx="4"/>
+          <p:cNvPr id="5" name="Footer Placeholder 4"/>
+          <p:cNvSpPr>
+            <a:spLocks noGrp="1"/>
+          </p:cNvSpPr>
+          <p:nvPr>
+            <p:ph type="ftr" sz="quarter" idx="3"/>
           </p:nvPr>
         </p:nvSpPr>
         <p:spPr>
           <a:xfrm>
-            <a:off x="6553200" y="6356350"/>
-            <a:ext cx="2133600" cy="365125"/>
+            <a:off x="6008688" y="855956"/>
+            <a:ext cx="2246489" cy="301227"/>
           </a:xfrm>
           <a:prstGeom prst="rect">
             <a:avLst/>
           </a:prstGeom>
         </p:spPr>
         <p:txBody>
-          <a:bodyPr vert="horz" lIns="91440" tIns="45720" rIns="91440" bIns="45720" rtlCol="0" anchor="ctr"/>
+          <a:bodyPr vert="horz" lIns="91440" tIns="0" rIns="91440" bIns="45720" rtlCol="0" anchor="t"/>
           <a:lstStyle>
-            <a:lvl1pPr algn="r">
-              <a:defRPr sz="1200">
+            <a:lvl1pPr algn="l">
+              <a:defRPr sz="1000">
                 <a:solidFill>
-                  <a:schemeClr val="tx1">
-                    <a:tint val="75000"/>
-                  </a:schemeClr>
+                  <a:schemeClr val="tx1"/>
                 </a:solidFill>
               </a:defRPr>
             </a:lvl1pPr>
           </a:lstStyle>
           <a:p>
-            <a:fld id="{BB3C0061-40A0-44E9-B950-E3D502F32289}" type="slidenum">
-              <a:rPr lang="sv-SE" smtClean="0"/>
-              <a:t>‹#›</a:t>
-            </a:fld>
             <a:endParaRPr lang="sv-SE"/>
           </a:p>
         </p:txBody>
       </p:sp>
     </p:spTree>
-    <p:extLst>
-      <p:ext uri="{BB962C8B-B14F-4D97-AF65-F5344CB8AC3E}">
-        <p14:creationId xmlns:p14="http://schemas.microsoft.com/office/powerpoint/2010/main" val="4070178655"/>
-      </p:ext>
-    </p:extLst>
   </p:cSld>
-  <p:clrMap bg1="lt1" tx1="dk1" bg2="lt2" tx2="dk2" accent1="accent1" accent2="accent2" accent3="accent3" accent4="accent4" accent5="accent5" accent6="accent6" hlink="hlink" folHlink="folHlink"/>
+  <p:clrMap bg1="dk1" tx1="lt1" bg2="dk2" tx2="lt2" accent1="accent1" accent2="accent2" accent3="accent3" accent4="accent4" accent5="accent5" accent6="accent6" hlink="hlink" folHlink="folHlink"/>
   <p:sldLayoutIdLst>
-    <p:sldLayoutId id="2147483649" r:id="rId1"/>
-    <p:sldLayoutId id="2147483650" r:id="rId2"/>
-    <p:sldLayoutId id="2147483651" r:id="rId3"/>
-    <p:sldLayoutId id="2147483652" r:id="rId4"/>
-    <p:sldLayoutId id="2147483653" r:id="rId5"/>
-    <p:sldLayoutId id="2147483654" r:id="rId6"/>
-    <p:sldLayoutId id="2147483655" r:id="rId7"/>
-    <p:sldLayoutId id="2147483656" r:id="rId8"/>
-    <p:sldLayoutId id="2147483657" r:id="rId9"/>
-    <p:sldLayoutId id="2147483658" r:id="rId10"/>
-    <p:sldLayoutId id="2147483659" r:id="rId11"/>
+    <p:sldLayoutId id="2147483673" r:id="rId1"/>
+    <p:sldLayoutId id="2147483674" r:id="rId2"/>
+    <p:sldLayoutId id="2147483675" r:id="rId3"/>
+    <p:sldLayoutId id="2147483676" r:id="rId4"/>
+    <p:sldLayoutId id="2147483677" r:id="rId5"/>
+    <p:sldLayoutId id="2147483678" r:id="rId6"/>
+    <p:sldLayoutId id="2147483679" r:id="rId7"/>
+    <p:sldLayoutId id="2147483680" r:id="rId8"/>
+    <p:sldLayoutId id="2147483681" r:id="rId9"/>
+    <p:sldLayoutId id="2147483682" r:id="rId10"/>
+    <p:sldLayoutId id="2147483683" r:id="rId11"/>
   </p:sldLayoutIdLst>
   <p:txStyles>
     <p:titleStyle>
-      <a:lvl1pPr algn="ctr" defTabSz="914400" rtl="0" eaLnBrk="1" latinLnBrk="0" hangingPunct="1">
+      <a:lvl1pPr algn="l" defTabSz="914400" rtl="0" eaLnBrk="1" latinLnBrk="0" hangingPunct="1">
         <a:spcBef>
           <a:spcPct val="0"/>
         </a:spcBef>
         <a:buNone/>
-        <a:defRPr sz="4400" kern="1200">
+        <a:defRPr sz="4000" kern="1200">
           <a:solidFill>
-            <a:schemeClr val="tx1"/>
+            <a:schemeClr val="tx2"/>
           </a:solidFill>
           <a:latin typeface="+mj-lt"/>
           <a:ea typeface="+mj-ea"/>
           <a:cs typeface="+mj-cs"/>
         </a:defRPr>
       </a:lvl1pPr>
+      <a:lvl2pPr eaLnBrk="1" hangingPunct="1">
+        <a:defRPr>
+          <a:solidFill>
+            <a:schemeClr val="tx2"/>
+          </a:solidFill>
+        </a:defRPr>
+      </a:lvl2pPr>
+      <a:lvl3pPr eaLnBrk="1" hangingPunct="1">
+        <a:defRPr>
+          <a:solidFill>
+            <a:schemeClr val="tx2"/>
+          </a:solidFill>
+        </a:defRPr>
+      </a:lvl3pPr>
+      <a:lvl4pPr eaLnBrk="1" hangingPunct="1">
+        <a:defRPr>
+          <a:solidFill>
+            <a:schemeClr val="tx2"/>
+          </a:solidFill>
+        </a:defRPr>
+      </a:lvl4pPr>
+      <a:lvl5pPr eaLnBrk="1" hangingPunct="1">
+        <a:defRPr>
+          <a:solidFill>
+            <a:schemeClr val="tx2"/>
+          </a:solidFill>
+        </a:defRPr>
+      </a:lvl5pPr>
+      <a:lvl6pPr eaLnBrk="1" hangingPunct="1">
+        <a:defRPr>
+          <a:solidFill>
+            <a:schemeClr val="tx2"/>
+          </a:solidFill>
+        </a:defRPr>
+      </a:lvl6pPr>
+      <a:lvl7pPr eaLnBrk="1" hangingPunct="1">
+        <a:defRPr>
+          <a:solidFill>
+            <a:schemeClr val="tx2"/>
+          </a:solidFill>
+        </a:defRPr>
+      </a:lvl7pPr>
+      <a:lvl8pPr eaLnBrk="1" hangingPunct="1">
+        <a:defRPr>
+          <a:solidFill>
+            <a:schemeClr val="tx2"/>
+          </a:solidFill>
+        </a:defRPr>
+      </a:lvl8pPr>
+      <a:lvl9pPr eaLnBrk="1" hangingPunct="1">
+        <a:defRPr>
+          <a:solidFill>
+            <a:schemeClr val="tx2"/>
+          </a:solidFill>
+        </a:defRPr>
+      </a:lvl9pPr>
     </p:titleStyle>
     <p:bodyStyle>
-      <a:lvl1pPr marL="342900" indent="-342900" algn="l" defTabSz="914400" rtl="0" eaLnBrk="1" latinLnBrk="0" hangingPunct="1">
+      <a:lvl1pPr marL="228600" indent="-182880" algn="l" defTabSz="914400" rtl="0" eaLnBrk="1" latinLnBrk="0" hangingPunct="1">
         <a:spcBef>
           <a:spcPct val="20000"/>
         </a:spcBef>
-        <a:buFont typeface="Arial" pitchFamily="34" charset="0"/>
-        <a:buChar char="•"/>
-        <a:defRPr sz="3200" kern="1200">
+        <a:buClr>
+          <a:schemeClr val="tx2"/>
+        </a:buClr>
+        <a:buFont typeface="Wingdings" charset="2"/>
+        <a:buChar char="§"/>
+        <a:defRPr sz="2000" kern="1200">
           <a:solidFill>
             <a:schemeClr val="tx1"/>
           </a:solidFill>
@@ -2858,13 +2887,16 @@
           <a:cs typeface="+mn-cs"/>
         </a:defRPr>
       </a:lvl1pPr>
-      <a:lvl2pPr marL="742950" indent="-285750" algn="l" defTabSz="914400" rtl="0" eaLnBrk="1" latinLnBrk="0" hangingPunct="1">
+      <a:lvl2pPr marL="502920" indent="-182880" algn="l" defTabSz="914400" rtl="0" eaLnBrk="1" latinLnBrk="0" hangingPunct="1">
         <a:spcBef>
           <a:spcPct val="20000"/>
         </a:spcBef>
-        <a:buFont typeface="Arial" pitchFamily="34" charset="0"/>
-        <a:buChar char="–"/>
-        <a:defRPr sz="2800" kern="1200">
+        <a:buClr>
+          <a:schemeClr val="tx2"/>
+        </a:buClr>
+        <a:buFont typeface="Wingdings" charset="2"/>
+        <a:buChar char="§"/>
+        <a:defRPr sz="1800" kern="1200">
           <a:solidFill>
             <a:schemeClr val="tx1"/>
           </a:solidFill>
@@ -2873,13 +2905,16 @@
           <a:cs typeface="+mn-cs"/>
         </a:defRPr>
       </a:lvl2pPr>
-      <a:lvl3pPr marL="1143000" indent="-228600" algn="l" defTabSz="914400" rtl="0" eaLnBrk="1" latinLnBrk="0" hangingPunct="1">
+      <a:lvl3pPr marL="685800" indent="-182880" algn="l" defTabSz="914400" rtl="0" eaLnBrk="1" latinLnBrk="0" hangingPunct="1">
         <a:spcBef>
           <a:spcPct val="20000"/>
         </a:spcBef>
-        <a:buFont typeface="Arial" pitchFamily="34" charset="0"/>
-        <a:buChar char="•"/>
-        <a:defRPr sz="2400" kern="1200">
+        <a:buClr>
+          <a:schemeClr val="tx2"/>
+        </a:buClr>
+        <a:buFont typeface="Wingdings" charset="2"/>
+        <a:buChar char="§"/>
+        <a:defRPr sz="1600" kern="1200">
           <a:solidFill>
             <a:schemeClr val="tx1"/>
           </a:solidFill>
@@ -2888,13 +2923,16 @@
           <a:cs typeface="+mn-cs"/>
         </a:defRPr>
       </a:lvl3pPr>
-      <a:lvl4pPr marL="1600200" indent="-228600" algn="l" defTabSz="914400" rtl="0" eaLnBrk="1" latinLnBrk="0" hangingPunct="1">
+      <a:lvl4pPr marL="914400" indent="-182880" algn="l" defTabSz="914400" rtl="0" eaLnBrk="1" latinLnBrk="0" hangingPunct="1">
         <a:spcBef>
           <a:spcPct val="20000"/>
         </a:spcBef>
-        <a:buFont typeface="Arial" pitchFamily="34" charset="0"/>
-        <a:buChar char="–"/>
-        <a:defRPr sz="2000" kern="1200">
+        <a:buClr>
+          <a:schemeClr val="tx2"/>
+        </a:buClr>
+        <a:buFont typeface="Wingdings" charset="2"/>
+        <a:buChar char="§"/>
+        <a:defRPr sz="1400" kern="1200">
           <a:solidFill>
             <a:schemeClr val="tx1"/>
           </a:solidFill>
@@ -2903,13 +2941,16 @@
           <a:cs typeface="+mn-cs"/>
         </a:defRPr>
       </a:lvl4pPr>
-      <a:lvl5pPr marL="2057400" indent="-228600" algn="l" defTabSz="914400" rtl="0" eaLnBrk="1" latinLnBrk="0" hangingPunct="1">
+      <a:lvl5pPr marL="1143000" indent="-182880" algn="l" defTabSz="914400" rtl="0" eaLnBrk="1" latinLnBrk="0" hangingPunct="1">
         <a:spcBef>
           <a:spcPct val="20000"/>
         </a:spcBef>
-        <a:buFont typeface="Arial" pitchFamily="34" charset="0"/>
-        <a:buChar char="»"/>
-        <a:defRPr sz="2000" kern="1200">
+        <a:buClr>
+          <a:schemeClr val="tx2"/>
+        </a:buClr>
+        <a:buFont typeface="Wingdings" charset="2"/>
+        <a:buChar char="§"/>
+        <a:defRPr sz="1400" kern="1200">
           <a:solidFill>
             <a:schemeClr val="tx1"/>
           </a:solidFill>
@@ -2918,13 +2959,16 @@
           <a:cs typeface="+mn-cs"/>
         </a:defRPr>
       </a:lvl5pPr>
-      <a:lvl6pPr marL="2514600" indent="-228600" algn="l" defTabSz="914400" rtl="0" eaLnBrk="1" latinLnBrk="0" hangingPunct="1">
+      <a:lvl6pPr marL="1371600" indent="-182880" algn="l" defTabSz="914400" rtl="0" eaLnBrk="1" latinLnBrk="0" hangingPunct="1">
         <a:spcBef>
           <a:spcPct val="20000"/>
         </a:spcBef>
-        <a:buFont typeface="Arial" pitchFamily="34" charset="0"/>
-        <a:buChar char="•"/>
-        <a:defRPr sz="2000" kern="1200">
+        <a:buClr>
+          <a:schemeClr val="tx2"/>
+        </a:buClr>
+        <a:buFont typeface="Wingdings" pitchFamily="2" charset="2"/>
+        <a:buChar char="§"/>
+        <a:defRPr sz="1400" kern="1200">
           <a:solidFill>
             <a:schemeClr val="tx1"/>
           </a:solidFill>
@@ -2933,13 +2977,16 @@
           <a:cs typeface="+mn-cs"/>
         </a:defRPr>
       </a:lvl6pPr>
-      <a:lvl7pPr marL="2971800" indent="-228600" algn="l" defTabSz="914400" rtl="0" eaLnBrk="1" latinLnBrk="0" hangingPunct="1">
+      <a:lvl7pPr marL="1600200" indent="-182880" algn="l" defTabSz="914400" rtl="0" eaLnBrk="1" latinLnBrk="0" hangingPunct="1">
         <a:spcBef>
           <a:spcPct val="20000"/>
         </a:spcBef>
-        <a:buFont typeface="Arial" pitchFamily="34" charset="0"/>
-        <a:buChar char="•"/>
-        <a:defRPr sz="2000" kern="1200">
+        <a:buClr>
+          <a:schemeClr val="tx2"/>
+        </a:buClr>
+        <a:buFont typeface="Wingdings" pitchFamily="2" charset="2"/>
+        <a:buChar char="§"/>
+        <a:defRPr sz="1400" kern="1200">
           <a:solidFill>
             <a:schemeClr val="tx1"/>
           </a:solidFill>
@@ -2948,13 +2995,16 @@
           <a:cs typeface="+mn-cs"/>
         </a:defRPr>
       </a:lvl7pPr>
-      <a:lvl8pPr marL="3429000" indent="-228600" algn="l" defTabSz="914400" rtl="0" eaLnBrk="1" latinLnBrk="0" hangingPunct="1">
+      <a:lvl8pPr marL="1828800" indent="-182880" algn="l" defTabSz="914400" rtl="0" eaLnBrk="1" latinLnBrk="0" hangingPunct="1">
         <a:spcBef>
           <a:spcPct val="20000"/>
         </a:spcBef>
-        <a:buFont typeface="Arial" pitchFamily="34" charset="0"/>
-        <a:buChar char="•"/>
-        <a:defRPr sz="2000" kern="1200">
+        <a:buClr>
+          <a:schemeClr val="tx2"/>
+        </a:buClr>
+        <a:buFont typeface="Wingdings" pitchFamily="2" charset="2"/>
+        <a:buChar char="§"/>
+        <a:defRPr sz="1400" kern="1200">
           <a:solidFill>
             <a:schemeClr val="tx1"/>
           </a:solidFill>
@@ -2963,13 +3013,16 @@
           <a:cs typeface="+mn-cs"/>
         </a:defRPr>
       </a:lvl8pPr>
-      <a:lvl9pPr marL="3886200" indent="-228600" algn="l" defTabSz="914400" rtl="0" eaLnBrk="1" latinLnBrk="0" hangingPunct="1">
+      <a:lvl9pPr marL="2057400" indent="-182880" algn="l" defTabSz="914400" rtl="0" eaLnBrk="1" latinLnBrk="0" hangingPunct="1">
         <a:spcBef>
           <a:spcPct val="20000"/>
         </a:spcBef>
-        <a:buFont typeface="Arial" pitchFamily="34" charset="0"/>
-        <a:buChar char="•"/>
-        <a:defRPr sz="2000" kern="1200">
+        <a:buClr>
+          <a:schemeClr val="tx2"/>
+        </a:buClr>
+        <a:buFont typeface="Wingdings" pitchFamily="2" charset="2"/>
+        <a:buChar char="§"/>
+        <a:defRPr sz="1400" kern="1200">
           <a:solidFill>
             <a:schemeClr val="tx1"/>
           </a:solidFill>
@@ -2981,7 +3034,7 @@
     </p:bodyStyle>
     <p:otherStyle>
       <a:defPPr>
-        <a:defRPr lang="sv-SE"/>
+        <a:defRPr lang="en-US"/>
       </a:defPPr>
       <a:lvl1pPr marL="0" algn="l" defTabSz="914400" rtl="0" eaLnBrk="1" latinLnBrk="0" hangingPunct="1">
         <a:defRPr sz="1800" kern="1200">
@@ -3111,26 +3164,14 @@
           <a:lstStyle/>
           <a:p>
             <a:r>
-              <a:rPr lang="sv-SE" dirty="0" err="1" smtClean="0"/>
+              <a:rPr lang="en-US" noProof="0" dirty="0" smtClean="0"/>
               <a:t>Anemic</a:t>
             </a:r>
             <a:r>
-              <a:rPr lang="sv-SE" dirty="0" smtClean="0"/>
-              <a:t> </a:t>
-            </a:r>
-            <a:r>
-              <a:rPr lang="sv-SE" dirty="0" err="1" smtClean="0"/>
-              <a:t>First</a:t>
-            </a:r>
-            <a:r>
-              <a:rPr lang="sv-SE" dirty="0" smtClean="0"/>
-              <a:t> </a:t>
-            </a:r>
-            <a:r>
-              <a:rPr lang="sv-SE" dirty="0" err="1" smtClean="0"/>
-              <a:t>Aid</a:t>
-            </a:r>
-            <a:endParaRPr lang="sv-SE" dirty="0"/>
+              <a:rPr lang="en-US" dirty="0" smtClean="0"/>
+              <a:t> First Aid</a:t>
+            </a:r>
+            <a:endParaRPr lang="en-US" dirty="0"/>
           </a:p>
         </p:txBody>
       </p:sp>
@@ -3166,10 +3207,502 @@
 </p:sld>
 </file>
 
+<file path=ppt/slides/slide2.xml><?xml version="1.0" encoding="utf-8"?>
+<p:sld xmlns:a="http://schemas.openxmlformats.org/drawingml/2006/main" xmlns:r="http://schemas.openxmlformats.org/officeDocument/2006/relationships" xmlns:p="http://schemas.openxmlformats.org/presentationml/2006/main">
+  <p:cSld>
+    <p:spTree>
+      <p:nvGrpSpPr>
+        <p:cNvPr id="1" name=""/>
+        <p:cNvGrpSpPr/>
+        <p:nvPr/>
+      </p:nvGrpSpPr>
+      <p:grpSpPr>
+        <a:xfrm>
+          <a:off x="0" y="0"/>
+          <a:ext cx="0" cy="0"/>
+          <a:chOff x="0" y="0"/>
+          <a:chExt cx="0" cy="0"/>
+        </a:xfrm>
+      </p:grpSpPr>
+      <p:sp>
+        <p:nvSpPr>
+          <p:cNvPr id="5" name="Title 4"/>
+          <p:cNvSpPr>
+            <a:spLocks noGrp="1"/>
+          </p:cNvSpPr>
+          <p:nvPr>
+            <p:ph type="title"/>
+          </p:nvPr>
+        </p:nvSpPr>
+        <p:spPr/>
+        <p:txBody>
+          <a:bodyPr/>
+          <a:lstStyle/>
+          <a:p>
+            <a:r>
+              <a:rPr lang="en-US" dirty="0" smtClean="0"/>
+              <a:t>Layered</a:t>
+            </a:r>
+            <a:r>
+              <a:rPr lang="en-US" baseline="0" dirty="0" smtClean="0"/>
+              <a:t> </a:t>
+            </a:r>
+            <a:r>
+              <a:rPr lang="en-US" baseline="0" noProof="0" dirty="0" smtClean="0"/>
+              <a:t>Architecture</a:t>
+            </a:r>
+            <a:endParaRPr lang="en-US" noProof="0" dirty="0"/>
+          </a:p>
+        </p:txBody>
+      </p:sp>
+      <p:sp>
+        <p:nvSpPr>
+          <p:cNvPr id="6" name="Content Placeholder 5"/>
+          <p:cNvSpPr>
+            <a:spLocks noGrp="1"/>
+          </p:cNvSpPr>
+          <p:nvPr>
+            <p:ph idx="1"/>
+          </p:nvPr>
+        </p:nvSpPr>
+        <p:spPr/>
+        <p:txBody>
+          <a:bodyPr/>
+          <a:lstStyle/>
+          <a:p>
+            <a:endParaRPr lang="sv-SE"/>
+          </a:p>
+        </p:txBody>
+      </p:sp>
+    </p:spTree>
+    <p:extLst>
+      <p:ext uri="{BB962C8B-B14F-4D97-AF65-F5344CB8AC3E}">
+        <p14:creationId xmlns:p14="http://schemas.microsoft.com/office/powerpoint/2010/main" val="296635211"/>
+      </p:ext>
+    </p:extLst>
+  </p:cSld>
+  <p:clrMapOvr>
+    <a:masterClrMapping/>
+  </p:clrMapOvr>
+</p:sld>
+</file>
+
+<file path=ppt/slides/slide3.xml><?xml version="1.0" encoding="utf-8"?>
+<p:sld xmlns:a="http://schemas.openxmlformats.org/drawingml/2006/main" xmlns:r="http://schemas.openxmlformats.org/officeDocument/2006/relationships" xmlns:p="http://schemas.openxmlformats.org/presentationml/2006/main">
+  <p:cSld>
+    <p:spTree>
+      <p:nvGrpSpPr>
+        <p:cNvPr id="1" name=""/>
+        <p:cNvGrpSpPr/>
+        <p:nvPr/>
+      </p:nvGrpSpPr>
+      <p:grpSpPr>
+        <a:xfrm>
+          <a:off x="0" y="0"/>
+          <a:ext cx="0" cy="0"/>
+          <a:chOff x="0" y="0"/>
+          <a:chExt cx="0" cy="0"/>
+        </a:xfrm>
+      </p:grpSpPr>
+      <p:sp>
+        <p:nvSpPr>
+          <p:cNvPr id="2" name="Title 1"/>
+          <p:cNvSpPr>
+            <a:spLocks noGrp="1"/>
+          </p:cNvSpPr>
+          <p:nvPr>
+            <p:ph type="title"/>
+          </p:nvPr>
+        </p:nvSpPr>
+        <p:spPr/>
+        <p:txBody>
+          <a:bodyPr/>
+          <a:lstStyle/>
+          <a:p>
+            <a:r>
+              <a:rPr lang="en-US" dirty="0" smtClean="0"/>
+              <a:t>Anemic Domain Model</a:t>
+            </a:r>
+            <a:endParaRPr lang="en-US" dirty="0"/>
+          </a:p>
+        </p:txBody>
+      </p:sp>
+      <p:sp>
+        <p:nvSpPr>
+          <p:cNvPr id="3" name="Content Placeholder 2"/>
+          <p:cNvSpPr>
+            <a:spLocks noGrp="1"/>
+          </p:cNvSpPr>
+          <p:nvPr>
+            <p:ph idx="1"/>
+          </p:nvPr>
+        </p:nvSpPr>
+        <p:spPr/>
+        <p:txBody>
+          <a:bodyPr/>
+          <a:lstStyle/>
+          <a:p>
+            <a:r>
+              <a:rPr lang="en-US" dirty="0" smtClean="0"/>
+              <a:t>Getters and Setters</a:t>
+            </a:r>
+          </a:p>
+          <a:p>
+            <a:r>
+              <a:rPr lang="en-US" dirty="0" smtClean="0"/>
+              <a:t>Transaction</a:t>
+            </a:r>
+            <a:r>
+              <a:rPr lang="en-US" baseline="0" dirty="0" smtClean="0"/>
+              <a:t> Script for Business Logic</a:t>
+            </a:r>
+            <a:endParaRPr lang="en-US" dirty="0" smtClean="0"/>
+          </a:p>
+        </p:txBody>
+      </p:sp>
+    </p:spTree>
+    <p:extLst>
+      <p:ext uri="{BB962C8B-B14F-4D97-AF65-F5344CB8AC3E}">
+        <p14:creationId xmlns:p14="http://schemas.microsoft.com/office/powerpoint/2010/main" val="65461394"/>
+      </p:ext>
+    </p:extLst>
+  </p:cSld>
+  <p:clrMapOvr>
+    <a:masterClrMapping/>
+  </p:clrMapOvr>
+</p:sld>
+</file>
+
+<file path=ppt/slides/slide4.xml><?xml version="1.0" encoding="utf-8"?>
+<p:sld xmlns:a="http://schemas.openxmlformats.org/drawingml/2006/main" xmlns:r="http://schemas.openxmlformats.org/officeDocument/2006/relationships" xmlns:p="http://schemas.openxmlformats.org/presentationml/2006/main">
+  <p:cSld>
+    <p:spTree>
+      <p:nvGrpSpPr>
+        <p:cNvPr id="1" name=""/>
+        <p:cNvGrpSpPr/>
+        <p:nvPr/>
+      </p:nvGrpSpPr>
+      <p:grpSpPr>
+        <a:xfrm>
+          <a:off x="0" y="0"/>
+          <a:ext cx="0" cy="0"/>
+          <a:chOff x="0" y="0"/>
+          <a:chExt cx="0" cy="0"/>
+        </a:xfrm>
+      </p:grpSpPr>
+      <p:sp>
+        <p:nvSpPr>
+          <p:cNvPr id="2" name="Title 1"/>
+          <p:cNvSpPr>
+            <a:spLocks noGrp="1"/>
+          </p:cNvSpPr>
+          <p:nvPr>
+            <p:ph type="title"/>
+          </p:nvPr>
+        </p:nvSpPr>
+        <p:spPr/>
+        <p:txBody>
+          <a:bodyPr/>
+          <a:lstStyle/>
+          <a:p>
+            <a:r>
+              <a:rPr lang="en-US" dirty="0" smtClean="0"/>
+              <a:t>CQRS</a:t>
+            </a:r>
+            <a:endParaRPr lang="en-US" dirty="0"/>
+          </a:p>
+        </p:txBody>
+      </p:sp>
+      <p:sp>
+        <p:nvSpPr>
+          <p:cNvPr id="3" name="Content Placeholder 2"/>
+          <p:cNvSpPr>
+            <a:spLocks noGrp="1"/>
+          </p:cNvSpPr>
+          <p:nvPr>
+            <p:ph idx="1"/>
+          </p:nvPr>
+        </p:nvSpPr>
+        <p:spPr/>
+        <p:txBody>
+          <a:bodyPr/>
+          <a:lstStyle/>
+          <a:p>
+            <a:r>
+              <a:rPr lang="en-US" noProof="0" dirty="0" smtClean="0"/>
+              <a:t>Command/Query </a:t>
+            </a:r>
+            <a:r>
+              <a:rPr lang="en-US" noProof="0" dirty="0" smtClean="0"/>
+              <a:t>Responsibility Segregation</a:t>
+            </a:r>
+          </a:p>
+        </p:txBody>
+      </p:sp>
+    </p:spTree>
+    <p:extLst>
+      <p:ext uri="{BB962C8B-B14F-4D97-AF65-F5344CB8AC3E}">
+        <p14:creationId xmlns:p14="http://schemas.microsoft.com/office/powerpoint/2010/main" val="2188212413"/>
+      </p:ext>
+    </p:extLst>
+  </p:cSld>
+  <p:clrMapOvr>
+    <a:masterClrMapping/>
+  </p:clrMapOvr>
+</p:sld>
+</file>
+
+<file path=ppt/slides/slide5.xml><?xml version="1.0" encoding="utf-8"?>
+<p:sld xmlns:a="http://schemas.openxmlformats.org/drawingml/2006/main" xmlns:r="http://schemas.openxmlformats.org/officeDocument/2006/relationships" xmlns:p="http://schemas.openxmlformats.org/presentationml/2006/main">
+  <p:cSld>
+    <p:spTree>
+      <p:nvGrpSpPr>
+        <p:cNvPr id="1" name=""/>
+        <p:cNvGrpSpPr/>
+        <p:nvPr/>
+      </p:nvGrpSpPr>
+      <p:grpSpPr>
+        <a:xfrm>
+          <a:off x="0" y="0"/>
+          <a:ext cx="0" cy="0"/>
+          <a:chOff x="0" y="0"/>
+          <a:chExt cx="0" cy="0"/>
+        </a:xfrm>
+      </p:grpSpPr>
+      <p:sp>
+        <p:nvSpPr>
+          <p:cNvPr id="2" name="Title 1"/>
+          <p:cNvSpPr>
+            <a:spLocks noGrp="1"/>
+          </p:cNvSpPr>
+          <p:nvPr>
+            <p:ph type="title"/>
+          </p:nvPr>
+        </p:nvSpPr>
+        <p:spPr/>
+        <p:txBody>
+          <a:bodyPr/>
+          <a:lstStyle/>
+          <a:p>
+            <a:r>
+              <a:rPr lang="en-US" smtClean="0"/>
+              <a:t>Step 1</a:t>
+            </a:r>
+            <a:endParaRPr lang="en-US" dirty="0"/>
+          </a:p>
+        </p:txBody>
+      </p:sp>
+      <p:sp>
+        <p:nvSpPr>
+          <p:cNvPr id="3" name="Content Placeholder 2"/>
+          <p:cNvSpPr>
+            <a:spLocks noGrp="1"/>
+          </p:cNvSpPr>
+          <p:nvPr>
+            <p:ph idx="1"/>
+          </p:nvPr>
+        </p:nvSpPr>
+        <p:spPr/>
+        <p:txBody>
+          <a:bodyPr/>
+          <a:lstStyle/>
+          <a:p>
+            <a:r>
+              <a:rPr lang="en-US" smtClean="0"/>
+              <a:t>Move</a:t>
+            </a:r>
+            <a:r>
+              <a:rPr lang="en-US" baseline="0" smtClean="0"/>
+              <a:t> to Commands and CommandHandlers</a:t>
+            </a:r>
+            <a:endParaRPr lang="en-US" baseline="0" dirty="0" smtClean="0"/>
+          </a:p>
+        </p:txBody>
+      </p:sp>
+    </p:spTree>
+    <p:extLst>
+      <p:ext uri="{BB962C8B-B14F-4D97-AF65-F5344CB8AC3E}">
+        <p14:creationId xmlns:p14="http://schemas.microsoft.com/office/powerpoint/2010/main" val="556937406"/>
+      </p:ext>
+    </p:extLst>
+  </p:cSld>
+  <p:clrMapOvr>
+    <a:masterClrMapping/>
+  </p:clrMapOvr>
+</p:sld>
+</file>
+
+<file path=ppt/slides/slide6.xml><?xml version="1.0" encoding="utf-8"?>
+<p:sld xmlns:a="http://schemas.openxmlformats.org/drawingml/2006/main" xmlns:r="http://schemas.openxmlformats.org/officeDocument/2006/relationships" xmlns:p="http://schemas.openxmlformats.org/presentationml/2006/main">
+  <p:cSld>
+    <p:spTree>
+      <p:nvGrpSpPr>
+        <p:cNvPr id="1" name=""/>
+        <p:cNvGrpSpPr/>
+        <p:nvPr/>
+      </p:nvGrpSpPr>
+      <p:grpSpPr>
+        <a:xfrm>
+          <a:off x="0" y="0"/>
+          <a:ext cx="0" cy="0"/>
+          <a:chOff x="0" y="0"/>
+          <a:chExt cx="0" cy="0"/>
+        </a:xfrm>
+      </p:grpSpPr>
+      <p:sp>
+        <p:nvSpPr>
+          <p:cNvPr id="2" name="Title 1"/>
+          <p:cNvSpPr>
+            <a:spLocks noGrp="1"/>
+          </p:cNvSpPr>
+          <p:nvPr>
+            <p:ph type="title"/>
+          </p:nvPr>
+        </p:nvSpPr>
+        <p:spPr/>
+        <p:txBody>
+          <a:bodyPr/>
+          <a:lstStyle/>
+          <a:p>
+            <a:r>
+              <a:rPr lang="en-US" smtClean="0"/>
+              <a:t>Step 2</a:t>
+            </a:r>
+            <a:endParaRPr lang="en-US" dirty="0"/>
+          </a:p>
+        </p:txBody>
+      </p:sp>
+      <p:sp>
+        <p:nvSpPr>
+          <p:cNvPr id="3" name="Content Placeholder 2"/>
+          <p:cNvSpPr>
+            <a:spLocks noGrp="1"/>
+          </p:cNvSpPr>
+          <p:nvPr>
+            <p:ph idx="1"/>
+          </p:nvPr>
+        </p:nvSpPr>
+        <p:spPr/>
+        <p:txBody>
+          <a:bodyPr/>
+          <a:lstStyle/>
+          <a:p>
+            <a:r>
+              <a:rPr lang="en-US" dirty="0" smtClean="0"/>
+              <a:t>Introduce</a:t>
+            </a:r>
+            <a:r>
+              <a:rPr lang="en-US" baseline="0" dirty="0" smtClean="0"/>
+              <a:t> Events</a:t>
+            </a:r>
+          </a:p>
+        </p:txBody>
+      </p:sp>
+    </p:spTree>
+    <p:extLst>
+      <p:ext uri="{BB962C8B-B14F-4D97-AF65-F5344CB8AC3E}">
+        <p14:creationId xmlns:p14="http://schemas.microsoft.com/office/powerpoint/2010/main" val="2238549151"/>
+      </p:ext>
+    </p:extLst>
+  </p:cSld>
+  <p:clrMapOvr>
+    <a:masterClrMapping/>
+  </p:clrMapOvr>
+</p:sld>
+</file>
+
+<file path=ppt/slides/slide7.xml><?xml version="1.0" encoding="utf-8"?>
+<p:sld xmlns:a="http://schemas.openxmlformats.org/drawingml/2006/main" xmlns:r="http://schemas.openxmlformats.org/officeDocument/2006/relationships" xmlns:p="http://schemas.openxmlformats.org/presentationml/2006/main">
+  <p:cSld>
+    <p:spTree>
+      <p:nvGrpSpPr>
+        <p:cNvPr id="1" name=""/>
+        <p:cNvGrpSpPr/>
+        <p:nvPr/>
+      </p:nvGrpSpPr>
+      <p:grpSpPr>
+        <a:xfrm>
+          <a:off x="0" y="0"/>
+          <a:ext cx="0" cy="0"/>
+          <a:chOff x="0" y="0"/>
+          <a:chExt cx="0" cy="0"/>
+        </a:xfrm>
+      </p:grpSpPr>
+      <p:sp>
+        <p:nvSpPr>
+          <p:cNvPr id="2" name="Title 1"/>
+          <p:cNvSpPr>
+            <a:spLocks noGrp="1"/>
+          </p:cNvSpPr>
+          <p:nvPr>
+            <p:ph type="title"/>
+          </p:nvPr>
+        </p:nvSpPr>
+        <p:spPr/>
+        <p:txBody>
+          <a:bodyPr/>
+          <a:lstStyle/>
+          <a:p>
+            <a:r>
+              <a:rPr lang="sv-SE" dirty="0" smtClean="0"/>
+              <a:t>Step 3</a:t>
+            </a:r>
+            <a:endParaRPr lang="en-US" dirty="0"/>
+          </a:p>
+        </p:txBody>
+      </p:sp>
+      <p:sp>
+        <p:nvSpPr>
+          <p:cNvPr id="3" name="Content Placeholder 2"/>
+          <p:cNvSpPr>
+            <a:spLocks noGrp="1"/>
+          </p:cNvSpPr>
+          <p:nvPr>
+            <p:ph idx="1"/>
+          </p:nvPr>
+        </p:nvSpPr>
+        <p:spPr/>
+        <p:txBody>
+          <a:bodyPr/>
+          <a:lstStyle/>
+          <a:p>
+            <a:r>
+              <a:rPr lang="sv-SE" dirty="0" err="1" smtClean="0"/>
+              <a:t>Update</a:t>
+            </a:r>
+            <a:r>
+              <a:rPr lang="sv-SE" dirty="0" smtClean="0"/>
+              <a:t> </a:t>
+            </a:r>
+            <a:r>
+              <a:rPr lang="sv-SE" dirty="0" err="1" smtClean="0"/>
+              <a:t>model</a:t>
+            </a:r>
+            <a:r>
+              <a:rPr lang="sv-SE" dirty="0" smtClean="0"/>
+              <a:t> from Events</a:t>
+            </a:r>
+            <a:endParaRPr lang="en-US" dirty="0"/>
+          </a:p>
+        </p:txBody>
+      </p:sp>
+    </p:spTree>
+    <p:extLst>
+      <p:ext uri="{BB962C8B-B14F-4D97-AF65-F5344CB8AC3E}">
+        <p14:creationId xmlns:p14="http://schemas.microsoft.com/office/powerpoint/2010/main" val="2061523166"/>
+      </p:ext>
+    </p:extLst>
+  </p:cSld>
+  <p:clrMapOvr>
+    <a:masterClrMapping/>
+  </p:clrMapOvr>
+</p:sld>
+</file>
+
 <file path=ppt/theme/theme1.xml><?xml version="1.0" encoding="utf-8"?>
-<a:theme xmlns:a="http://schemas.openxmlformats.org/drawingml/2006/main" name="Office Theme">
+<a:theme xmlns:a="http://schemas.openxmlformats.org/drawingml/2006/main" name="Perspective">
   <a:themeElements>
-    <a:clrScheme name="Office">
+    <a:clrScheme name="Perspective">
       <a:dk1>
         <a:sysClr val="windowText" lastClr="000000"/>
       </a:dk1>
@@ -3177,52 +3710,52 @@
         <a:sysClr val="window" lastClr="FFFFFF"/>
       </a:lt1>
       <a:dk2>
-        <a:srgbClr val="1F497D"/>
+        <a:srgbClr val="283138"/>
       </a:dk2>
       <a:lt2>
-        <a:srgbClr val="EEECE1"/>
+        <a:srgbClr val="FF8600"/>
       </a:lt2>
       <a:accent1>
-        <a:srgbClr val="4F81BD"/>
+        <a:srgbClr val="838D9B"/>
       </a:accent1>
       <a:accent2>
-        <a:srgbClr val="C0504D"/>
+        <a:srgbClr val="D2610C"/>
       </a:accent2>
       <a:accent3>
-        <a:srgbClr val="9BBB59"/>
+        <a:srgbClr val="80716A"/>
       </a:accent3>
       <a:accent4>
-        <a:srgbClr val="8064A2"/>
+        <a:srgbClr val="94147C"/>
       </a:accent4>
       <a:accent5>
-        <a:srgbClr val="4BACC6"/>
+        <a:srgbClr val="5D5AD2"/>
       </a:accent5>
       <a:accent6>
-        <a:srgbClr val="F79646"/>
+        <a:srgbClr val="6F6C7D"/>
       </a:accent6>
       <a:hlink>
-        <a:srgbClr val="0000FF"/>
+        <a:srgbClr val="6187E3"/>
       </a:hlink>
       <a:folHlink>
-        <a:srgbClr val="800080"/>
+        <a:srgbClr val="7B8EB8"/>
       </a:folHlink>
     </a:clrScheme>
-    <a:fontScheme name="Office">
+    <a:fontScheme name="Office Classic 2">
       <a:majorFont>
-        <a:latin typeface="Calibri"/>
+        <a:latin typeface="Arial"/>
         <a:ea typeface=""/>
         <a:cs typeface=""/>
         <a:font script="Jpan" typeface="ＭＳ Ｐゴシック"/>
-        <a:font script="Hang" typeface="맑은 고딕"/>
-        <a:font script="Hans" typeface="宋体"/>
-        <a:font script="Hant" typeface="新細明體"/>
-        <a:font script="Arab" typeface="Times New Roman"/>
-        <a:font script="Hebr" typeface="Times New Roman"/>
-        <a:font script="Thai" typeface="Angsana New"/>
+        <a:font script="Hang" typeface="돋움"/>
+        <a:font script="Hans" typeface="方正舒体"/>
+        <a:font script="Hant" typeface="微軟正黑體"/>
+        <a:font script="Arab" typeface="Arial"/>
+        <a:font script="Hebr" typeface="Arial"/>
+        <a:font script="Thai" typeface="Cordia New"/>
         <a:font script="Ethi" typeface="Nyala"/>
         <a:font script="Beng" typeface="Vrinda"/>
         <a:font script="Gujr" typeface="Shruti"/>
-        <a:font script="Khmr" typeface="MoolBoran"/>
+        <a:font script="Khmr" typeface="DaunPenh"/>
         <a:font script="Knda" typeface="Tunga"/>
         <a:font script="Guru" typeface="Raavi"/>
         <a:font script="Cans" typeface="Euphemia"/>
@@ -3239,18 +3772,18 @@
         <a:font script="Laoo" typeface="DokChampa"/>
         <a:font script="Sinh" typeface="Iskoola Pota"/>
         <a:font script="Mong" typeface="Mongolian Baiti"/>
-        <a:font script="Viet" typeface="Times New Roman"/>
+        <a:font script="Viet" typeface="Arial"/>
         <a:font script="Uigh" typeface="Microsoft Uighur"/>
         <a:font script="Geor" typeface="Sylfaen"/>
       </a:majorFont>
       <a:minorFont>
-        <a:latin typeface="Calibri"/>
+        <a:latin typeface="Arial"/>
         <a:ea typeface=""/>
         <a:cs typeface=""/>
         <a:font script="Jpan" typeface="ＭＳ Ｐゴシック"/>
-        <a:font script="Hang" typeface="맑은 고딕"/>
-        <a:font script="Hans" typeface="宋体"/>
-        <a:font script="Hant" typeface="新細明體"/>
+        <a:font script="Hang" typeface="돋움"/>
+        <a:font script="Hans" typeface="方正舒体"/>
+        <a:font script="Hant" typeface="微軟正黑體"/>
         <a:font script="Arab" typeface="Arial"/>
         <a:font script="Hebr" typeface="Arial"/>
         <a:font script="Thai" typeface="Cordia New"/>
@@ -3279,7 +3812,7 @@
         <a:font script="Geor" typeface="Sylfaen"/>
       </a:minorFont>
     </a:fontScheme>
-    <a:fmtScheme name="Office">
+    <a:fmtScheme name="Perspective">
       <a:fillStyleLst>
         <a:solidFill>
           <a:schemeClr val="phClr"/>
@@ -3289,65 +3822,65 @@
             <a:gs pos="0">
               <a:schemeClr val="phClr">
                 <a:tint val="50000"/>
-                <a:satMod val="300000"/>
+                <a:alpha val="100000"/>
+                <a:satMod val="160000"/>
+                <a:lumMod val="105000"/>
               </a:schemeClr>
             </a:gs>
-            <a:gs pos="35000">
+            <a:gs pos="41000">
               <a:schemeClr val="phClr">
-                <a:tint val="37000"/>
-                <a:satMod val="300000"/>
+                <a:tint val="57000"/>
+                <a:satMod val="180000"/>
+                <a:lumMod val="99000"/>
               </a:schemeClr>
             </a:gs>
             <a:gs pos="100000">
               <a:schemeClr val="phClr">
-                <a:tint val="15000"/>
-                <a:satMod val="350000"/>
+                <a:tint val="80000"/>
+                <a:satMod val="200000"/>
+                <a:lumMod val="104000"/>
               </a:schemeClr>
             </a:gs>
           </a:gsLst>
-          <a:lin ang="16200000" scaled="1"/>
+          <a:lin ang="5400000" scaled="1"/>
         </a:gradFill>
         <a:gradFill rotWithShape="1">
           <a:gsLst>
             <a:gs pos="0">
               <a:schemeClr val="phClr">
-                <a:shade val="51000"/>
+                <a:tint val="96000"/>
                 <a:satMod val="130000"/>
+                <a:lumMod val="114000"/>
               </a:schemeClr>
             </a:gs>
-            <a:gs pos="80000">
+            <a:gs pos="60000">
               <a:schemeClr val="phClr">
-                <a:shade val="93000"/>
-                <a:satMod val="130000"/>
+                <a:tint val="100000"/>
+                <a:satMod val="106000"/>
+                <a:lumMod val="110000"/>
               </a:schemeClr>
             </a:gs>
             <a:gs pos="100000">
-              <a:schemeClr val="phClr">
-                <a:shade val="94000"/>
-                <a:satMod val="135000"/>
-              </a:schemeClr>
+              <a:schemeClr val="phClr"/>
             </a:gs>
           </a:gsLst>
-          <a:lin ang="16200000" scaled="0"/>
+          <a:lin ang="5400000" scaled="0"/>
         </a:gradFill>
       </a:fillStyleLst>
       <a:lnStyleLst>
-        <a:ln w="9525" cap="flat" cmpd="sng" algn="ctr">
-          <a:solidFill>
-            <a:schemeClr val="phClr">
-              <a:shade val="95000"/>
-              <a:satMod val="105000"/>
-            </a:schemeClr>
-          </a:solidFill>
-          <a:prstDash val="solid"/>
-        </a:ln>
-        <a:ln w="25400" cap="flat" cmpd="sng" algn="ctr">
+        <a:ln w="12700" cap="flat" cmpd="sng" algn="ctr">
           <a:solidFill>
             <a:schemeClr val="phClr"/>
           </a:solidFill>
           <a:prstDash val="solid"/>
         </a:ln>
-        <a:ln w="38100" cap="flat" cmpd="sng" algn="ctr">
+        <a:ln w="19050" cap="flat" cmpd="sng" algn="ctr">
+          <a:solidFill>
+            <a:schemeClr val="phClr"/>
+          </a:solidFill>
+          <a:prstDash val="solid"/>
+        </a:ln>
+        <a:ln w="28575" cap="flat" cmpd="sng" algn="ctr">
           <a:solidFill>
             <a:schemeClr val="phClr"/>
           </a:solidFill>
@@ -3357,27 +3890,18 @@
       <a:effectStyleLst>
         <a:effectStyle>
           <a:effectLst>
-            <a:outerShdw blurRad="40000" dist="20000" dir="5400000" rotWithShape="0">
+            <a:outerShdw blurRad="50800" dist="38100" dir="5400000" rotWithShape="0">
               <a:srgbClr val="000000">
-                <a:alpha val="38000"/>
+                <a:alpha val="28000"/>
               </a:srgbClr>
             </a:outerShdw>
           </a:effectLst>
         </a:effectStyle>
         <a:effectStyle>
           <a:effectLst>
-            <a:outerShdw blurRad="40000" dist="23000" dir="5400000" rotWithShape="0">
+            <a:outerShdw blurRad="47625" dist="38100" dir="5400000" sy="98000" rotWithShape="0">
               <a:srgbClr val="000000">
-                <a:alpha val="35000"/>
-              </a:srgbClr>
-            </a:outerShdw>
-          </a:effectLst>
-        </a:effectStyle>
-        <a:effectStyle>
-          <a:effectLst>
-            <a:outerShdw blurRad="40000" dist="23000" dir="5400000" rotWithShape="0">
-              <a:srgbClr val="000000">
-                <a:alpha val="35000"/>
+                <a:alpha val="48000"/>
               </a:srgbClr>
             </a:outerShdw>
           </a:effectLst>
@@ -3385,12 +3909,28 @@
             <a:camera prst="orthographicFront">
               <a:rot lat="0" lon="0" rev="0"/>
             </a:camera>
+            <a:lightRig rig="twoPt" dir="br">
+              <a:rot lat="0" lon="0" rev="8700000"/>
+            </a:lightRig>
+          </a:scene3d>
+          <a:sp3d prstMaterial="matte">
+            <a:bevelT w="25400" h="53975"/>
+          </a:sp3d>
+        </a:effectStyle>
+        <a:effectStyle>
+          <a:effectLst>
+            <a:reflection blurRad="12700" stA="24000" endPos="28000" dist="50800" dir="5400000" sy="-100000" rotWithShape="0"/>
+          </a:effectLst>
+          <a:scene3d>
+            <a:camera prst="orthographicFront">
+              <a:rot lat="0" lon="0" rev="0"/>
+            </a:camera>
             <a:lightRig rig="threePt" dir="t">
-              <a:rot lat="0" lon="0" rev="1200000"/>
+              <a:rot lat="0" lon="0" rev="4800000"/>
             </a:lightRig>
           </a:scene3d>
           <a:sp3d>
-            <a:bevelT w="63500" h="25400"/>
+            <a:bevelT w="69850" h="31750"/>
           </a:sp3d>
         </a:effectStyle>
       </a:effectStyleLst>
@@ -3402,47 +3942,45 @@
           <a:gsLst>
             <a:gs pos="0">
               <a:schemeClr val="phClr">
-                <a:tint val="40000"/>
-                <a:satMod val="350000"/>
+                <a:tint val="100000"/>
+                <a:shade val="80000"/>
+                <a:satMod val="100000"/>
+                <a:lumMod val="100000"/>
               </a:schemeClr>
             </a:gs>
-            <a:gs pos="40000">
+            <a:gs pos="65000">
               <a:schemeClr val="phClr">
-                <a:tint val="45000"/>
-                <a:shade val="99000"/>
-                <a:satMod val="350000"/>
+                <a:tint val="100000"/>
+                <a:shade val="95000"/>
+                <a:satMod val="100000"/>
+                <a:lumMod val="100000"/>
               </a:schemeClr>
             </a:gs>
             <a:gs pos="100000">
               <a:schemeClr val="phClr">
-                <a:shade val="20000"/>
-                <a:satMod val="255000"/>
+                <a:tint val="88000"/>
+                <a:shade val="100000"/>
+                <a:satMod val="400000"/>
+                <a:lumMod val="100000"/>
               </a:schemeClr>
             </a:gs>
           </a:gsLst>
-          <a:path path="circle">
-            <a:fillToRect l="50000" t="-80000" r="50000" b="180000"/>
-          </a:path>
+          <a:lin ang="5400000" scaled="0"/>
         </a:gradFill>
-        <a:gradFill rotWithShape="1">
-          <a:gsLst>
-            <a:gs pos="0">
+        <a:blipFill rotWithShape="1">
+          <a:blip xmlns:r="http://schemas.openxmlformats.org/officeDocument/2006/relationships" r:embed="rId1">
+            <a:duotone>
               <a:schemeClr val="phClr">
-                <a:tint val="80000"/>
-                <a:satMod val="300000"/>
+                <a:tint val="95000"/>
+                <a:satMod val="90000"/>
               </a:schemeClr>
-            </a:gs>
-            <a:gs pos="100000">
               <a:schemeClr val="phClr">
-                <a:shade val="30000"/>
-                <a:satMod val="200000"/>
+                <a:shade val="92000"/>
               </a:schemeClr>
-            </a:gs>
-          </a:gsLst>
-          <a:path path="circle">
-            <a:fillToRect l="50000" t="50000" r="50000" b="50000"/>
-          </a:path>
-        </a:gradFill>
+            </a:duotone>
+          </a:blip>
+          <a:tile tx="0" ty="0" sx="100000" sy="100000" flip="none" algn="tl"/>
+        </a:blipFill>
       </a:bgFillStyleLst>
     </a:fmtScheme>
   </a:themeElements>
